--- a/doc/benchmark.pptx
+++ b/doc/benchmark.pptx
@@ -6,6 +6,7 @@
   </p:sldMasterIdLst>
   <p:sldIdLst>
     <p:sldId id="257" r:id="rId2"/>
+    <p:sldId id="258" r:id="rId3"/>
   </p:sldIdLst>
   <p:sldSz cx="12192000" cy="6858000"/>
   <p:notesSz cx="6858000" cy="9144000"/>
@@ -530,11 +531,11 @@
         </c:dLbls>
         <c:gapWidth val="219"/>
         <c:overlap val="-27"/>
-        <c:axId val="-874706064"/>
-        <c:axId val="-874707696"/>
+        <c:axId val="384002720"/>
+        <c:axId val="383998368"/>
       </c:barChart>
       <c:catAx>
-        <c:axId val="-874706064"/>
+        <c:axId val="384002720"/>
         <c:scaling>
           <c:orientation val="minMax"/>
         </c:scaling>
@@ -638,7 +639,7 @@
             <a:endParaRPr lang="zh-CN"/>
           </a:p>
         </c:txPr>
-        <c:crossAx val="-874707696"/>
+        <c:crossAx val="383998368"/>
         <c:crosses val="autoZero"/>
         <c:auto val="1"/>
         <c:lblAlgn val="ctr"/>
@@ -646,7 +647,7 @@
         <c:noMultiLvlLbl val="0"/>
       </c:catAx>
       <c:valAx>
-        <c:axId val="-874707696"/>
+        <c:axId val="383998368"/>
         <c:scaling>
           <c:orientation val="minMax"/>
         </c:scaling>
@@ -754,7 +755,654 @@
             <a:endParaRPr lang="zh-CN"/>
           </a:p>
         </c:txPr>
-        <c:crossAx val="-874706064"/>
+        <c:crossAx val="384002720"/>
+        <c:crosses val="autoZero"/>
+        <c:crossBetween val="between"/>
+      </c:valAx>
+      <c:spPr>
+        <a:noFill/>
+        <a:ln>
+          <a:noFill/>
+        </a:ln>
+        <a:effectLst/>
+      </c:spPr>
+    </c:plotArea>
+    <c:legend>
+      <c:legendPos val="b"/>
+      <c:layout/>
+      <c:overlay val="0"/>
+      <c:spPr>
+        <a:noFill/>
+        <a:ln>
+          <a:noFill/>
+        </a:ln>
+        <a:effectLst/>
+      </c:spPr>
+      <c:txPr>
+        <a:bodyPr rot="0" spcFirstLastPara="1" vertOverflow="ellipsis" vert="horz" wrap="square" anchor="ctr" anchorCtr="1"/>
+        <a:lstStyle/>
+        <a:p>
+          <a:pPr>
+            <a:defRPr sz="1197" b="0" i="0" u="none" strike="noStrike" kern="1200" baseline="0">
+              <a:solidFill>
+                <a:schemeClr val="tx1">
+                  <a:lumMod val="65000"/>
+                  <a:lumOff val="35000"/>
+                </a:schemeClr>
+              </a:solidFill>
+              <a:latin typeface="+mn-lt"/>
+              <a:ea typeface="+mn-ea"/>
+              <a:cs typeface="+mn-cs"/>
+            </a:defRPr>
+          </a:pPr>
+          <a:endParaRPr lang="zh-CN"/>
+        </a:p>
+      </c:txPr>
+    </c:legend>
+    <c:plotVisOnly val="1"/>
+    <c:dispBlanksAs val="gap"/>
+    <c:showDLblsOverMax val="0"/>
+  </c:chart>
+  <c:spPr>
+    <a:noFill/>
+    <a:ln>
+      <a:noFill/>
+    </a:ln>
+    <a:effectLst/>
+  </c:spPr>
+  <c:txPr>
+    <a:bodyPr/>
+    <a:lstStyle/>
+    <a:p>
+      <a:pPr>
+        <a:defRPr/>
+      </a:pPr>
+      <a:endParaRPr lang="zh-CN"/>
+    </a:p>
+  </c:txPr>
+  <c:externalData r:id="rId3">
+    <c:autoUpdate val="0"/>
+  </c:externalData>
+</c:chartSpace>
+</file>
+
+<file path=ppt/charts/chart2.xml><?xml version="1.0" encoding="utf-8"?>
+<c:chartSpace xmlns:c="http://schemas.openxmlformats.org/drawingml/2006/chart" xmlns:a="http://schemas.openxmlformats.org/drawingml/2006/main" xmlns:r="http://schemas.openxmlformats.org/officeDocument/2006/relationships">
+  <c:date1904 val="0"/>
+  <c:lang val="zh-CN"/>
+  <c:roundedCorners val="0"/>
+  <mc:AlternateContent xmlns:mc="http://schemas.openxmlformats.org/markup-compatibility/2006">
+    <mc:Choice xmlns:c14="http://schemas.microsoft.com/office/drawing/2007/8/2/chart" Requires="c14">
+      <c14:style val="102"/>
+    </mc:Choice>
+    <mc:Fallback>
+      <c:style val="2"/>
+    </mc:Fallback>
+  </mc:AlternateContent>
+  <c:chart>
+    <c:title>
+      <c:tx>
+        <c:rich>
+          <a:bodyPr rot="0" spcFirstLastPara="1" vertOverflow="ellipsis" vert="horz" wrap="square" anchor="ctr" anchorCtr="1"/>
+          <a:lstStyle/>
+          <a:p>
+            <a:pPr>
+              <a:defRPr sz="1862" b="0" i="0" u="none" strike="noStrike" kern="1200" spc="0" baseline="0">
+                <a:solidFill>
+                  <a:schemeClr val="tx1">
+                    <a:lumMod val="65000"/>
+                    <a:lumOff val="35000"/>
+                  </a:schemeClr>
+                </a:solidFill>
+                <a:latin typeface="+mn-lt"/>
+                <a:ea typeface="+mn-ea"/>
+                <a:cs typeface="+mn-cs"/>
+              </a:defRPr>
+            </a:pPr>
+            <a:r>
+              <a:rPr lang="en-US" altLang="zh-CN" dirty="0" smtClean="0"/>
+              <a:t>IOPS</a:t>
+            </a:r>
+            <a:endParaRPr lang="zh-CN" altLang="en-US" dirty="0"/>
+          </a:p>
+        </c:rich>
+      </c:tx>
+      <c:layout/>
+      <c:overlay val="0"/>
+      <c:spPr>
+        <a:noFill/>
+        <a:ln>
+          <a:noFill/>
+        </a:ln>
+        <a:effectLst/>
+      </c:spPr>
+      <c:txPr>
+        <a:bodyPr rot="0" spcFirstLastPara="1" vertOverflow="ellipsis" vert="horz" wrap="square" anchor="ctr" anchorCtr="1"/>
+        <a:lstStyle/>
+        <a:p>
+          <a:pPr>
+            <a:defRPr sz="1862" b="0" i="0" u="none" strike="noStrike" kern="1200" spc="0" baseline="0">
+              <a:solidFill>
+                <a:schemeClr val="tx1">
+                  <a:lumMod val="65000"/>
+                  <a:lumOff val="35000"/>
+                </a:schemeClr>
+              </a:solidFill>
+              <a:latin typeface="+mn-lt"/>
+              <a:ea typeface="+mn-ea"/>
+              <a:cs typeface="+mn-cs"/>
+            </a:defRPr>
+          </a:pPr>
+          <a:endParaRPr lang="zh-CN"/>
+        </a:p>
+      </c:txPr>
+    </c:title>
+    <c:autoTitleDeleted val="0"/>
+    <c:plotArea>
+      <c:layout/>
+      <c:barChart>
+        <c:barDir val="col"/>
+        <c:grouping val="clustered"/>
+        <c:varyColors val="0"/>
+        <c:ser>
+          <c:idx val="0"/>
+          <c:order val="0"/>
+          <c:tx>
+            <c:strRef>
+              <c:f>Sheet1!$B$1</c:f>
+              <c:strCache>
+                <c:ptCount val="1"/>
+                <c:pt idx="0">
+                  <c:v>libfiber</c:v>
+                </c:pt>
+              </c:strCache>
+            </c:strRef>
+          </c:tx>
+          <c:spPr>
+            <a:solidFill>
+              <a:schemeClr val="accent1"/>
+            </a:solidFill>
+            <a:ln>
+              <a:noFill/>
+            </a:ln>
+            <a:effectLst/>
+          </c:spPr>
+          <c:invertIfNegative val="0"/>
+          <c:cat>
+            <c:strRef>
+              <c:f>Sheet1!$A$2:$A$5</c:f>
+              <c:strCache>
+                <c:ptCount val="4"/>
+                <c:pt idx="0">
+                  <c:v>100 cocurrent</c:v>
+                </c:pt>
+                <c:pt idx="1">
+                  <c:v>200 cocurrent</c:v>
+                </c:pt>
+                <c:pt idx="2">
+                  <c:v>500 cocurrent</c:v>
+                </c:pt>
+                <c:pt idx="3">
+                  <c:v>1000 cocurrent</c:v>
+                </c:pt>
+              </c:strCache>
+            </c:strRef>
+          </c:cat>
+          <c:val>
+            <c:numRef>
+              <c:f>Sheet1!$B$2:$B$5</c:f>
+              <c:numCache>
+                <c:formatCode>General</c:formatCode>
+                <c:ptCount val="4"/>
+                <c:pt idx="0">
+                  <c:v>231722</c:v>
+                </c:pt>
+                <c:pt idx="1">
+                  <c:v>214433</c:v>
+                </c:pt>
+                <c:pt idx="2">
+                  <c:v>196510</c:v>
+                </c:pt>
+                <c:pt idx="3">
+                  <c:v>178421</c:v>
+                </c:pt>
+              </c:numCache>
+            </c:numRef>
+          </c:val>
+        </c:ser>
+        <c:ser>
+          <c:idx val="1"/>
+          <c:order val="1"/>
+          <c:tx>
+            <c:strRef>
+              <c:f>Sheet1!$C$1</c:f>
+              <c:strCache>
+                <c:ptCount val="1"/>
+                <c:pt idx="0">
+                  <c:v>libmill</c:v>
+                </c:pt>
+              </c:strCache>
+            </c:strRef>
+          </c:tx>
+          <c:spPr>
+            <a:solidFill>
+              <a:schemeClr val="accent2"/>
+            </a:solidFill>
+            <a:ln>
+              <a:noFill/>
+            </a:ln>
+            <a:effectLst/>
+          </c:spPr>
+          <c:invertIfNegative val="0"/>
+          <c:cat>
+            <c:strRef>
+              <c:f>Sheet1!$A$2:$A$5</c:f>
+              <c:strCache>
+                <c:ptCount val="4"/>
+                <c:pt idx="0">
+                  <c:v>100 cocurrent</c:v>
+                </c:pt>
+                <c:pt idx="1">
+                  <c:v>200 cocurrent</c:v>
+                </c:pt>
+                <c:pt idx="2">
+                  <c:v>500 cocurrent</c:v>
+                </c:pt>
+                <c:pt idx="3">
+                  <c:v>1000 cocurrent</c:v>
+                </c:pt>
+              </c:strCache>
+            </c:strRef>
+          </c:cat>
+          <c:val>
+            <c:numRef>
+              <c:f>Sheet1!$C$2:$C$5</c:f>
+              <c:numCache>
+                <c:formatCode>General</c:formatCode>
+                <c:ptCount val="4"/>
+                <c:pt idx="0">
+                  <c:v>201170</c:v>
+                </c:pt>
+                <c:pt idx="1">
+                  <c:v>154527</c:v>
+                </c:pt>
+                <c:pt idx="2">
+                  <c:v>148741</c:v>
+                </c:pt>
+                <c:pt idx="3">
+                  <c:v>132677</c:v>
+                </c:pt>
+              </c:numCache>
+            </c:numRef>
+          </c:val>
+        </c:ser>
+        <c:ser>
+          <c:idx val="2"/>
+          <c:order val="2"/>
+          <c:tx>
+            <c:strRef>
+              <c:f>Sheet1!$D$1</c:f>
+              <c:strCache>
+                <c:ptCount val="1"/>
+                <c:pt idx="0">
+                  <c:v>golang</c:v>
+                </c:pt>
+              </c:strCache>
+            </c:strRef>
+          </c:tx>
+          <c:spPr>
+            <a:solidFill>
+              <a:schemeClr val="accent3"/>
+            </a:solidFill>
+            <a:ln>
+              <a:noFill/>
+            </a:ln>
+            <a:effectLst/>
+          </c:spPr>
+          <c:invertIfNegative val="0"/>
+          <c:cat>
+            <c:strRef>
+              <c:f>Sheet1!$A$2:$A$5</c:f>
+              <c:strCache>
+                <c:ptCount val="4"/>
+                <c:pt idx="0">
+                  <c:v>100 cocurrent</c:v>
+                </c:pt>
+                <c:pt idx="1">
+                  <c:v>200 cocurrent</c:v>
+                </c:pt>
+                <c:pt idx="2">
+                  <c:v>500 cocurrent</c:v>
+                </c:pt>
+                <c:pt idx="3">
+                  <c:v>1000 cocurrent</c:v>
+                </c:pt>
+              </c:strCache>
+            </c:strRef>
+          </c:cat>
+          <c:val>
+            <c:numRef>
+              <c:f>Sheet1!$D$2:$D$5</c:f>
+              <c:numCache>
+                <c:formatCode>General</c:formatCode>
+                <c:ptCount val="4"/>
+                <c:pt idx="0">
+                  <c:v>154504</c:v>
+                </c:pt>
+                <c:pt idx="1">
+                  <c:v>150198</c:v>
+                </c:pt>
+                <c:pt idx="2">
+                  <c:v>140218</c:v>
+                </c:pt>
+                <c:pt idx="3">
+                  <c:v>123267</c:v>
+                </c:pt>
+              </c:numCache>
+            </c:numRef>
+          </c:val>
+        </c:ser>
+        <c:ser>
+          <c:idx val="3"/>
+          <c:order val="3"/>
+          <c:tx>
+            <c:strRef>
+              <c:f>Sheet1!$E$1</c:f>
+              <c:strCache>
+                <c:ptCount val="1"/>
+                <c:pt idx="0">
+                  <c:v>libco</c:v>
+                </c:pt>
+              </c:strCache>
+            </c:strRef>
+          </c:tx>
+          <c:spPr>
+            <a:solidFill>
+              <a:schemeClr val="accent4"/>
+            </a:solidFill>
+            <a:ln>
+              <a:noFill/>
+            </a:ln>
+            <a:effectLst/>
+          </c:spPr>
+          <c:invertIfNegative val="0"/>
+          <c:cat>
+            <c:strRef>
+              <c:f>Sheet1!$A$2:$A$5</c:f>
+              <c:strCache>
+                <c:ptCount val="4"/>
+                <c:pt idx="0">
+                  <c:v>100 cocurrent</c:v>
+                </c:pt>
+                <c:pt idx="1">
+                  <c:v>200 cocurrent</c:v>
+                </c:pt>
+                <c:pt idx="2">
+                  <c:v>500 cocurrent</c:v>
+                </c:pt>
+                <c:pt idx="3">
+                  <c:v>1000 cocurrent</c:v>
+                </c:pt>
+              </c:strCache>
+            </c:strRef>
+          </c:cat>
+          <c:val>
+            <c:numRef>
+              <c:f>Sheet1!$E$2:$E$5</c:f>
+              <c:numCache>
+                <c:formatCode>General</c:formatCode>
+                <c:ptCount val="4"/>
+                <c:pt idx="0">
+                  <c:v>147309</c:v>
+                </c:pt>
+                <c:pt idx="1">
+                  <c:v>135780</c:v>
+                </c:pt>
+                <c:pt idx="2">
+                  <c:v>128508</c:v>
+                </c:pt>
+                <c:pt idx="3">
+                  <c:v>106069</c:v>
+                </c:pt>
+              </c:numCache>
+            </c:numRef>
+          </c:val>
+        </c:ser>
+        <c:dLbls>
+          <c:showLegendKey val="0"/>
+          <c:showVal val="0"/>
+          <c:showCatName val="0"/>
+          <c:showSerName val="0"/>
+          <c:showPercent val="0"/>
+          <c:showBubbleSize val="0"/>
+        </c:dLbls>
+        <c:gapWidth val="219"/>
+        <c:overlap val="-27"/>
+        <c:axId val="520059056"/>
+        <c:axId val="520059600"/>
+      </c:barChart>
+      <c:catAx>
+        <c:axId val="520059056"/>
+        <c:scaling>
+          <c:orientation val="minMax"/>
+        </c:scaling>
+        <c:delete val="0"/>
+        <c:axPos val="b"/>
+        <c:title>
+          <c:tx>
+            <c:rich>
+              <a:bodyPr rot="0" spcFirstLastPara="1" vertOverflow="ellipsis" vert="horz" wrap="square" anchor="ctr" anchorCtr="1"/>
+              <a:lstStyle/>
+              <a:p>
+                <a:pPr>
+                  <a:defRPr sz="1330" b="0" i="0" u="none" strike="noStrike" kern="1200" baseline="0">
+                    <a:solidFill>
+                      <a:schemeClr val="tx1">
+                        <a:lumMod val="65000"/>
+                        <a:lumOff val="35000"/>
+                      </a:schemeClr>
+                    </a:solidFill>
+                    <a:latin typeface="+mn-lt"/>
+                    <a:ea typeface="+mn-ea"/>
+                    <a:cs typeface="+mn-cs"/>
+                  </a:defRPr>
+                </a:pPr>
+                <a:r>
+                  <a:rPr lang="en-US" altLang="zh-CN" dirty="0" smtClean="0"/>
+                  <a:t>IO</a:t>
+                </a:r>
+                <a:r>
+                  <a:rPr lang="zh-CN" altLang="en-US" dirty="0" smtClean="0"/>
+                  <a:t>性能对比</a:t>
+                </a:r>
+                <a:endParaRPr lang="zh-CN" altLang="en-US" dirty="0"/>
+              </a:p>
+            </c:rich>
+          </c:tx>
+          <c:layout/>
+          <c:overlay val="0"/>
+          <c:spPr>
+            <a:noFill/>
+            <a:ln>
+              <a:noFill/>
+            </a:ln>
+            <a:effectLst/>
+          </c:spPr>
+          <c:txPr>
+            <a:bodyPr rot="0" spcFirstLastPara="1" vertOverflow="ellipsis" vert="horz" wrap="square" anchor="ctr" anchorCtr="1"/>
+            <a:lstStyle/>
+            <a:p>
+              <a:pPr>
+                <a:defRPr sz="1330" b="0" i="0" u="none" strike="noStrike" kern="1200" baseline="0">
+                  <a:solidFill>
+                    <a:schemeClr val="tx1">
+                      <a:lumMod val="65000"/>
+                      <a:lumOff val="35000"/>
+                    </a:schemeClr>
+                  </a:solidFill>
+                  <a:latin typeface="+mn-lt"/>
+                  <a:ea typeface="+mn-ea"/>
+                  <a:cs typeface="+mn-cs"/>
+                </a:defRPr>
+              </a:pPr>
+              <a:endParaRPr lang="zh-CN"/>
+            </a:p>
+          </c:txPr>
+        </c:title>
+        <c:numFmt formatCode="General" sourceLinked="1"/>
+        <c:majorTickMark val="none"/>
+        <c:minorTickMark val="none"/>
+        <c:tickLblPos val="nextTo"/>
+        <c:spPr>
+          <a:noFill/>
+          <a:ln w="9525" cap="flat" cmpd="sng" algn="ctr">
+            <a:solidFill>
+              <a:schemeClr val="tx1">
+                <a:lumMod val="15000"/>
+                <a:lumOff val="85000"/>
+              </a:schemeClr>
+            </a:solidFill>
+            <a:round/>
+          </a:ln>
+          <a:effectLst/>
+        </c:spPr>
+        <c:txPr>
+          <a:bodyPr rot="-60000000" spcFirstLastPara="1" vertOverflow="ellipsis" vert="horz" wrap="square" anchor="ctr" anchorCtr="1"/>
+          <a:lstStyle/>
+          <a:p>
+            <a:pPr>
+              <a:defRPr sz="1197" b="0" i="0" u="none" strike="noStrike" kern="1200" baseline="0">
+                <a:solidFill>
+                  <a:schemeClr val="tx1">
+                    <a:lumMod val="65000"/>
+                    <a:lumOff val="35000"/>
+                  </a:schemeClr>
+                </a:solidFill>
+                <a:latin typeface="+mn-lt"/>
+                <a:ea typeface="+mn-ea"/>
+                <a:cs typeface="+mn-cs"/>
+              </a:defRPr>
+            </a:pPr>
+            <a:endParaRPr lang="zh-CN"/>
+          </a:p>
+        </c:txPr>
+        <c:crossAx val="520059600"/>
+        <c:crosses val="autoZero"/>
+        <c:auto val="1"/>
+        <c:lblAlgn val="ctr"/>
+        <c:lblOffset val="100"/>
+        <c:noMultiLvlLbl val="0"/>
+      </c:catAx>
+      <c:valAx>
+        <c:axId val="520059600"/>
+        <c:scaling>
+          <c:orientation val="minMax"/>
+        </c:scaling>
+        <c:delete val="0"/>
+        <c:axPos val="l"/>
+        <c:majorGridlines>
+          <c:spPr>
+            <a:ln w="9525" cap="flat" cmpd="sng" algn="ctr">
+              <a:solidFill>
+                <a:schemeClr val="tx1">
+                  <a:lumMod val="15000"/>
+                  <a:lumOff val="85000"/>
+                </a:schemeClr>
+              </a:solidFill>
+              <a:round/>
+            </a:ln>
+            <a:effectLst/>
+          </c:spPr>
+        </c:majorGridlines>
+        <c:title>
+          <c:tx>
+            <c:rich>
+              <a:bodyPr rot="-5400000" spcFirstLastPara="1" vertOverflow="ellipsis" vert="horz" wrap="square" anchor="ctr" anchorCtr="1"/>
+              <a:lstStyle/>
+              <a:p>
+                <a:pPr>
+                  <a:defRPr sz="1330" b="0" i="0" u="none" strike="noStrike" kern="1200" baseline="0">
+                    <a:solidFill>
+                      <a:schemeClr val="tx1">
+                        <a:lumMod val="65000"/>
+                        <a:lumOff val="35000"/>
+                      </a:schemeClr>
+                    </a:solidFill>
+                    <a:latin typeface="+mn-lt"/>
+                    <a:ea typeface="+mn-ea"/>
+                    <a:cs typeface="+mn-cs"/>
+                  </a:defRPr>
+                </a:pPr>
+                <a:r>
+                  <a:rPr lang="en-US" altLang="zh-CN" dirty="0" smtClean="0"/>
+                  <a:t>QPS</a:t>
+                </a:r>
+                <a:endParaRPr lang="zh-CN" altLang="en-US" dirty="0"/>
+              </a:p>
+            </c:rich>
+          </c:tx>
+          <c:layout/>
+          <c:overlay val="0"/>
+          <c:spPr>
+            <a:noFill/>
+            <a:ln>
+              <a:noFill/>
+            </a:ln>
+            <a:effectLst/>
+          </c:spPr>
+          <c:txPr>
+            <a:bodyPr rot="-5400000" spcFirstLastPara="1" vertOverflow="ellipsis" vert="horz" wrap="square" anchor="ctr" anchorCtr="1"/>
+            <a:lstStyle/>
+            <a:p>
+              <a:pPr>
+                <a:defRPr sz="1330" b="0" i="0" u="none" strike="noStrike" kern="1200" baseline="0">
+                  <a:solidFill>
+                    <a:schemeClr val="tx1">
+                      <a:lumMod val="65000"/>
+                      <a:lumOff val="35000"/>
+                    </a:schemeClr>
+                  </a:solidFill>
+                  <a:latin typeface="+mn-lt"/>
+                  <a:ea typeface="+mn-ea"/>
+                  <a:cs typeface="+mn-cs"/>
+                </a:defRPr>
+              </a:pPr>
+              <a:endParaRPr lang="zh-CN"/>
+            </a:p>
+          </c:txPr>
+        </c:title>
+        <c:numFmt formatCode="General" sourceLinked="1"/>
+        <c:majorTickMark val="none"/>
+        <c:minorTickMark val="none"/>
+        <c:tickLblPos val="nextTo"/>
+        <c:spPr>
+          <a:noFill/>
+          <a:ln>
+            <a:noFill/>
+          </a:ln>
+          <a:effectLst/>
+        </c:spPr>
+        <c:txPr>
+          <a:bodyPr rot="-60000000" spcFirstLastPara="1" vertOverflow="ellipsis" vert="horz" wrap="square" anchor="ctr" anchorCtr="1"/>
+          <a:lstStyle/>
+          <a:p>
+            <a:pPr>
+              <a:defRPr sz="1197" b="0" i="0" u="none" strike="noStrike" kern="1200" baseline="0">
+                <a:solidFill>
+                  <a:schemeClr val="tx1">
+                    <a:lumMod val="65000"/>
+                    <a:lumOff val="35000"/>
+                  </a:schemeClr>
+                </a:solidFill>
+                <a:latin typeface="+mn-lt"/>
+                <a:ea typeface="+mn-ea"/>
+                <a:cs typeface="+mn-cs"/>
+              </a:defRPr>
+            </a:pPr>
+            <a:endParaRPr lang="zh-CN"/>
+          </a:p>
+        </c:txPr>
+        <c:crossAx val="520059056"/>
         <c:crosses val="autoZero"/>
         <c:crossBetween val="between"/>
       </c:valAx>
@@ -865,7 +1513,550 @@
 </cs:colorStyle>
 </file>
 
+<file path=ppt/charts/colors2.xml><?xml version="1.0" encoding="utf-8"?>
+<cs:colorStyle xmlns:cs="http://schemas.microsoft.com/office/drawing/2012/chartStyle" xmlns:a="http://schemas.openxmlformats.org/drawingml/2006/main" meth="cycle" id="10">
+  <a:schemeClr val="accent1"/>
+  <a:schemeClr val="accent2"/>
+  <a:schemeClr val="accent3"/>
+  <a:schemeClr val="accent4"/>
+  <a:schemeClr val="accent5"/>
+  <a:schemeClr val="accent6"/>
+  <cs:variation/>
+  <cs:variation>
+    <a:lumMod val="60000"/>
+  </cs:variation>
+  <cs:variation>
+    <a:lumMod val="80000"/>
+    <a:lumOff val="20000"/>
+  </cs:variation>
+  <cs:variation>
+    <a:lumMod val="80000"/>
+  </cs:variation>
+  <cs:variation>
+    <a:lumMod val="60000"/>
+    <a:lumOff val="40000"/>
+  </cs:variation>
+  <cs:variation>
+    <a:lumMod val="50000"/>
+  </cs:variation>
+  <cs:variation>
+    <a:lumMod val="70000"/>
+    <a:lumOff val="30000"/>
+  </cs:variation>
+  <cs:variation>
+    <a:lumMod val="70000"/>
+  </cs:variation>
+  <cs:variation>
+    <a:lumMod val="50000"/>
+    <a:lumOff val="50000"/>
+  </cs:variation>
+</cs:colorStyle>
+</file>
+
 <file path=ppt/charts/style1.xml><?xml version="1.0" encoding="utf-8"?>
+<cs:chartStyle xmlns:cs="http://schemas.microsoft.com/office/drawing/2012/chartStyle" xmlns:a="http://schemas.openxmlformats.org/drawingml/2006/main" id="201">
+  <cs:axisTitle>
+    <cs:lnRef idx="0"/>
+    <cs:fillRef idx="0"/>
+    <cs:effectRef idx="0"/>
+    <cs:fontRef idx="minor">
+      <a:schemeClr val="tx1">
+        <a:lumMod val="65000"/>
+        <a:lumOff val="35000"/>
+      </a:schemeClr>
+    </cs:fontRef>
+    <cs:defRPr sz="1330" kern="1200"/>
+  </cs:axisTitle>
+  <cs:categoryAxis>
+    <cs:lnRef idx="0"/>
+    <cs:fillRef idx="0"/>
+    <cs:effectRef idx="0"/>
+    <cs:fontRef idx="minor">
+      <a:schemeClr val="tx1">
+        <a:lumMod val="65000"/>
+        <a:lumOff val="35000"/>
+      </a:schemeClr>
+    </cs:fontRef>
+    <cs:spPr>
+      <a:ln w="9525" cap="flat" cmpd="sng" algn="ctr">
+        <a:solidFill>
+          <a:schemeClr val="tx1">
+            <a:lumMod val="15000"/>
+            <a:lumOff val="85000"/>
+          </a:schemeClr>
+        </a:solidFill>
+        <a:round/>
+      </a:ln>
+    </cs:spPr>
+    <cs:defRPr sz="1197" kern="1200"/>
+  </cs:categoryAxis>
+  <cs:chartArea mods="allowNoFillOverride allowNoLineOverride">
+    <cs:lnRef idx="0"/>
+    <cs:fillRef idx="0"/>
+    <cs:effectRef idx="0"/>
+    <cs:fontRef idx="minor">
+      <a:schemeClr val="tx1"/>
+    </cs:fontRef>
+    <cs:spPr>
+      <a:solidFill>
+        <a:schemeClr val="bg1"/>
+      </a:solidFill>
+      <a:ln w="9525" cap="flat" cmpd="sng" algn="ctr">
+        <a:solidFill>
+          <a:schemeClr val="tx1">
+            <a:lumMod val="15000"/>
+            <a:lumOff val="85000"/>
+          </a:schemeClr>
+        </a:solidFill>
+        <a:round/>
+      </a:ln>
+    </cs:spPr>
+    <cs:defRPr sz="1330" kern="1200"/>
+  </cs:chartArea>
+  <cs:dataLabel>
+    <cs:lnRef idx="0"/>
+    <cs:fillRef idx="0"/>
+    <cs:effectRef idx="0"/>
+    <cs:fontRef idx="minor">
+      <a:schemeClr val="tx1">
+        <a:lumMod val="75000"/>
+        <a:lumOff val="25000"/>
+      </a:schemeClr>
+    </cs:fontRef>
+    <cs:defRPr sz="1197" kern="1200"/>
+  </cs:dataLabel>
+  <cs:dataLabelCallout>
+    <cs:lnRef idx="0"/>
+    <cs:fillRef idx="0"/>
+    <cs:effectRef idx="0"/>
+    <cs:fontRef idx="minor">
+      <a:schemeClr val="dk1">
+        <a:lumMod val="65000"/>
+        <a:lumOff val="35000"/>
+      </a:schemeClr>
+    </cs:fontRef>
+    <cs:spPr>
+      <a:solidFill>
+        <a:schemeClr val="lt1"/>
+      </a:solidFill>
+      <a:ln>
+        <a:solidFill>
+          <a:schemeClr val="dk1">
+            <a:lumMod val="25000"/>
+            <a:lumOff val="75000"/>
+          </a:schemeClr>
+        </a:solidFill>
+      </a:ln>
+    </cs:spPr>
+    <cs:defRPr sz="1197" kern="1200"/>
+    <cs:bodyPr rot="0" spcFirstLastPara="1" vertOverflow="clip" horzOverflow="clip" vert="horz" wrap="square" lIns="36576" tIns="18288" rIns="36576" bIns="18288" anchor="ctr" anchorCtr="1">
+      <a:spAutoFit/>
+    </cs:bodyPr>
+  </cs:dataLabelCallout>
+  <cs:dataPoint>
+    <cs:lnRef idx="0"/>
+    <cs:fillRef idx="1">
+      <cs:styleClr val="auto"/>
+    </cs:fillRef>
+    <cs:effectRef idx="0"/>
+    <cs:fontRef idx="minor">
+      <a:schemeClr val="tx1"/>
+    </cs:fontRef>
+  </cs:dataPoint>
+  <cs:dataPoint3D>
+    <cs:lnRef idx="0"/>
+    <cs:fillRef idx="1">
+      <cs:styleClr val="auto"/>
+    </cs:fillRef>
+    <cs:effectRef idx="0"/>
+    <cs:fontRef idx="minor">
+      <a:schemeClr val="tx1"/>
+    </cs:fontRef>
+  </cs:dataPoint3D>
+  <cs:dataPointLine>
+    <cs:lnRef idx="0">
+      <cs:styleClr val="auto"/>
+    </cs:lnRef>
+    <cs:fillRef idx="1"/>
+    <cs:effectRef idx="0"/>
+    <cs:fontRef idx="minor">
+      <a:schemeClr val="tx1"/>
+    </cs:fontRef>
+    <cs:spPr>
+      <a:ln w="28575" cap="rnd">
+        <a:solidFill>
+          <a:schemeClr val="phClr"/>
+        </a:solidFill>
+        <a:round/>
+      </a:ln>
+    </cs:spPr>
+  </cs:dataPointLine>
+  <cs:dataPointMarker>
+    <cs:lnRef idx="0">
+      <cs:styleClr val="auto"/>
+    </cs:lnRef>
+    <cs:fillRef idx="1">
+      <cs:styleClr val="auto"/>
+    </cs:fillRef>
+    <cs:effectRef idx="0"/>
+    <cs:fontRef idx="minor">
+      <a:schemeClr val="tx1"/>
+    </cs:fontRef>
+    <cs:spPr>
+      <a:ln w="9525">
+        <a:solidFill>
+          <a:schemeClr val="phClr"/>
+        </a:solidFill>
+      </a:ln>
+    </cs:spPr>
+  </cs:dataPointMarker>
+  <cs:dataPointMarkerLayout symbol="circle" size="5"/>
+  <cs:dataPointWireframe>
+    <cs:lnRef idx="0">
+      <cs:styleClr val="auto"/>
+    </cs:lnRef>
+    <cs:fillRef idx="1"/>
+    <cs:effectRef idx="0"/>
+    <cs:fontRef idx="minor">
+      <a:schemeClr val="tx1"/>
+    </cs:fontRef>
+    <cs:spPr>
+      <a:ln w="9525" cap="rnd">
+        <a:solidFill>
+          <a:schemeClr val="phClr"/>
+        </a:solidFill>
+        <a:round/>
+      </a:ln>
+    </cs:spPr>
+  </cs:dataPointWireframe>
+  <cs:dataTable>
+    <cs:lnRef idx="0"/>
+    <cs:fillRef idx="0"/>
+    <cs:effectRef idx="0"/>
+    <cs:fontRef idx="minor">
+      <a:schemeClr val="tx1">
+        <a:lumMod val="65000"/>
+        <a:lumOff val="35000"/>
+      </a:schemeClr>
+    </cs:fontRef>
+    <cs:spPr>
+      <a:noFill/>
+      <a:ln w="9525" cap="flat" cmpd="sng" algn="ctr">
+        <a:solidFill>
+          <a:schemeClr val="tx1">
+            <a:lumMod val="15000"/>
+            <a:lumOff val="85000"/>
+          </a:schemeClr>
+        </a:solidFill>
+        <a:round/>
+      </a:ln>
+    </cs:spPr>
+    <cs:defRPr sz="1197" kern="1200"/>
+  </cs:dataTable>
+  <cs:downBar>
+    <cs:lnRef idx="0"/>
+    <cs:fillRef idx="0"/>
+    <cs:effectRef idx="0"/>
+    <cs:fontRef idx="minor">
+      <a:schemeClr val="dk1"/>
+    </cs:fontRef>
+    <cs:spPr>
+      <a:solidFill>
+        <a:schemeClr val="dk1">
+          <a:lumMod val="65000"/>
+          <a:lumOff val="35000"/>
+        </a:schemeClr>
+      </a:solidFill>
+      <a:ln w="9525">
+        <a:solidFill>
+          <a:schemeClr val="tx1">
+            <a:lumMod val="65000"/>
+            <a:lumOff val="35000"/>
+          </a:schemeClr>
+        </a:solidFill>
+      </a:ln>
+    </cs:spPr>
+  </cs:downBar>
+  <cs:dropLine>
+    <cs:lnRef idx="0"/>
+    <cs:fillRef idx="0"/>
+    <cs:effectRef idx="0"/>
+    <cs:fontRef idx="minor">
+      <a:schemeClr val="tx1"/>
+    </cs:fontRef>
+    <cs:spPr>
+      <a:ln w="9525" cap="flat" cmpd="sng" algn="ctr">
+        <a:solidFill>
+          <a:schemeClr val="tx1">
+            <a:lumMod val="35000"/>
+            <a:lumOff val="65000"/>
+          </a:schemeClr>
+        </a:solidFill>
+        <a:round/>
+      </a:ln>
+    </cs:spPr>
+  </cs:dropLine>
+  <cs:errorBar>
+    <cs:lnRef idx="0"/>
+    <cs:fillRef idx="0"/>
+    <cs:effectRef idx="0"/>
+    <cs:fontRef idx="minor">
+      <a:schemeClr val="tx1"/>
+    </cs:fontRef>
+    <cs:spPr>
+      <a:ln w="9525" cap="flat" cmpd="sng" algn="ctr">
+        <a:solidFill>
+          <a:schemeClr val="tx1">
+            <a:lumMod val="65000"/>
+            <a:lumOff val="35000"/>
+          </a:schemeClr>
+        </a:solidFill>
+        <a:round/>
+      </a:ln>
+    </cs:spPr>
+  </cs:errorBar>
+  <cs:floor>
+    <cs:lnRef idx="0"/>
+    <cs:fillRef idx="0"/>
+    <cs:effectRef idx="0"/>
+    <cs:fontRef idx="minor">
+      <a:schemeClr val="tx1"/>
+    </cs:fontRef>
+    <cs:spPr>
+      <a:noFill/>
+      <a:ln>
+        <a:noFill/>
+      </a:ln>
+    </cs:spPr>
+  </cs:floor>
+  <cs:gridlineMajor>
+    <cs:lnRef idx="0"/>
+    <cs:fillRef idx="0"/>
+    <cs:effectRef idx="0"/>
+    <cs:fontRef idx="minor">
+      <a:schemeClr val="tx1"/>
+    </cs:fontRef>
+    <cs:spPr>
+      <a:ln w="9525" cap="flat" cmpd="sng" algn="ctr">
+        <a:solidFill>
+          <a:schemeClr val="tx1">
+            <a:lumMod val="15000"/>
+            <a:lumOff val="85000"/>
+          </a:schemeClr>
+        </a:solidFill>
+        <a:round/>
+      </a:ln>
+    </cs:spPr>
+  </cs:gridlineMajor>
+  <cs:gridlineMinor>
+    <cs:lnRef idx="0"/>
+    <cs:fillRef idx="0"/>
+    <cs:effectRef idx="0"/>
+    <cs:fontRef idx="minor">
+      <a:schemeClr val="tx1"/>
+    </cs:fontRef>
+    <cs:spPr>
+      <a:ln w="9525" cap="flat" cmpd="sng" algn="ctr">
+        <a:solidFill>
+          <a:schemeClr val="tx1">
+            <a:lumMod val="5000"/>
+            <a:lumOff val="95000"/>
+          </a:schemeClr>
+        </a:solidFill>
+        <a:round/>
+      </a:ln>
+    </cs:spPr>
+  </cs:gridlineMinor>
+  <cs:hiLoLine>
+    <cs:lnRef idx="0"/>
+    <cs:fillRef idx="0"/>
+    <cs:effectRef idx="0"/>
+    <cs:fontRef idx="minor">
+      <a:schemeClr val="tx1"/>
+    </cs:fontRef>
+    <cs:spPr>
+      <a:ln w="9525" cap="flat" cmpd="sng" algn="ctr">
+        <a:solidFill>
+          <a:schemeClr val="tx1">
+            <a:lumMod val="75000"/>
+            <a:lumOff val="25000"/>
+          </a:schemeClr>
+        </a:solidFill>
+        <a:round/>
+      </a:ln>
+    </cs:spPr>
+  </cs:hiLoLine>
+  <cs:leaderLine>
+    <cs:lnRef idx="0"/>
+    <cs:fillRef idx="0"/>
+    <cs:effectRef idx="0"/>
+    <cs:fontRef idx="minor">
+      <a:schemeClr val="tx1"/>
+    </cs:fontRef>
+    <cs:spPr>
+      <a:ln w="9525" cap="flat" cmpd="sng" algn="ctr">
+        <a:solidFill>
+          <a:schemeClr val="tx1">
+            <a:lumMod val="35000"/>
+            <a:lumOff val="65000"/>
+          </a:schemeClr>
+        </a:solidFill>
+        <a:round/>
+      </a:ln>
+    </cs:spPr>
+  </cs:leaderLine>
+  <cs:legend>
+    <cs:lnRef idx="0"/>
+    <cs:fillRef idx="0"/>
+    <cs:effectRef idx="0"/>
+    <cs:fontRef idx="minor">
+      <a:schemeClr val="tx1">
+        <a:lumMod val="65000"/>
+        <a:lumOff val="35000"/>
+      </a:schemeClr>
+    </cs:fontRef>
+    <cs:defRPr sz="1197" kern="1200"/>
+  </cs:legend>
+  <cs:plotArea mods="allowNoFillOverride allowNoLineOverride">
+    <cs:lnRef idx="0"/>
+    <cs:fillRef idx="0"/>
+    <cs:effectRef idx="0"/>
+    <cs:fontRef idx="minor">
+      <a:schemeClr val="tx1"/>
+    </cs:fontRef>
+  </cs:plotArea>
+  <cs:plotArea3D mods="allowNoFillOverride allowNoLineOverride">
+    <cs:lnRef idx="0"/>
+    <cs:fillRef idx="0"/>
+    <cs:effectRef idx="0"/>
+    <cs:fontRef idx="minor">
+      <a:schemeClr val="tx1"/>
+    </cs:fontRef>
+  </cs:plotArea3D>
+  <cs:seriesAxis>
+    <cs:lnRef idx="0"/>
+    <cs:fillRef idx="0"/>
+    <cs:effectRef idx="0"/>
+    <cs:fontRef idx="minor">
+      <a:schemeClr val="tx1">
+        <a:lumMod val="65000"/>
+        <a:lumOff val="35000"/>
+      </a:schemeClr>
+    </cs:fontRef>
+    <cs:defRPr sz="1197" kern="1200"/>
+  </cs:seriesAxis>
+  <cs:seriesLine>
+    <cs:lnRef idx="0"/>
+    <cs:fillRef idx="0"/>
+    <cs:effectRef idx="0"/>
+    <cs:fontRef idx="minor">
+      <a:schemeClr val="tx1"/>
+    </cs:fontRef>
+    <cs:spPr>
+      <a:ln w="9525" cap="flat" cmpd="sng" algn="ctr">
+        <a:solidFill>
+          <a:schemeClr val="tx1">
+            <a:lumMod val="35000"/>
+            <a:lumOff val="65000"/>
+          </a:schemeClr>
+        </a:solidFill>
+        <a:round/>
+      </a:ln>
+    </cs:spPr>
+  </cs:seriesLine>
+  <cs:title>
+    <cs:lnRef idx="0"/>
+    <cs:fillRef idx="0"/>
+    <cs:effectRef idx="0"/>
+    <cs:fontRef idx="minor">
+      <a:schemeClr val="tx1">
+        <a:lumMod val="65000"/>
+        <a:lumOff val="35000"/>
+      </a:schemeClr>
+    </cs:fontRef>
+    <cs:defRPr sz="1862" b="0" kern="1200" spc="0" baseline="0"/>
+  </cs:title>
+  <cs:trendline>
+    <cs:lnRef idx="0">
+      <cs:styleClr val="auto"/>
+    </cs:lnRef>
+    <cs:fillRef idx="0"/>
+    <cs:effectRef idx="0"/>
+    <cs:fontRef idx="minor">
+      <a:schemeClr val="tx1"/>
+    </cs:fontRef>
+    <cs:spPr>
+      <a:ln w="19050" cap="rnd">
+        <a:solidFill>
+          <a:schemeClr val="phClr"/>
+        </a:solidFill>
+        <a:prstDash val="sysDot"/>
+      </a:ln>
+    </cs:spPr>
+  </cs:trendline>
+  <cs:trendlineLabel>
+    <cs:lnRef idx="0"/>
+    <cs:fillRef idx="0"/>
+    <cs:effectRef idx="0"/>
+    <cs:fontRef idx="minor">
+      <a:schemeClr val="tx1">
+        <a:lumMod val="65000"/>
+        <a:lumOff val="35000"/>
+      </a:schemeClr>
+    </cs:fontRef>
+    <cs:defRPr sz="1197" kern="1200"/>
+  </cs:trendlineLabel>
+  <cs:upBar>
+    <cs:lnRef idx="0"/>
+    <cs:fillRef idx="0"/>
+    <cs:effectRef idx="0"/>
+    <cs:fontRef idx="minor">
+      <a:schemeClr val="dk1"/>
+    </cs:fontRef>
+    <cs:spPr>
+      <a:solidFill>
+        <a:schemeClr val="lt1"/>
+      </a:solidFill>
+      <a:ln w="9525">
+        <a:solidFill>
+          <a:schemeClr val="tx1">
+            <a:lumMod val="15000"/>
+            <a:lumOff val="85000"/>
+          </a:schemeClr>
+        </a:solidFill>
+      </a:ln>
+    </cs:spPr>
+  </cs:upBar>
+  <cs:valueAxis>
+    <cs:lnRef idx="0"/>
+    <cs:fillRef idx="0"/>
+    <cs:effectRef idx="0"/>
+    <cs:fontRef idx="minor">
+      <a:schemeClr val="tx1">
+        <a:lumMod val="65000"/>
+        <a:lumOff val="35000"/>
+      </a:schemeClr>
+    </cs:fontRef>
+    <cs:defRPr sz="1197" kern="1200"/>
+  </cs:valueAxis>
+  <cs:wall>
+    <cs:lnRef idx="0"/>
+    <cs:fillRef idx="0"/>
+    <cs:effectRef idx="0"/>
+    <cs:fontRef idx="minor">
+      <a:schemeClr val="tx1"/>
+    </cs:fontRef>
+    <cs:spPr>
+      <a:noFill/>
+      <a:ln>
+        <a:noFill/>
+      </a:ln>
+    </cs:spPr>
+  </cs:wall>
+</cs:chartStyle>
+</file>
+
+<file path=ppt/charts/style2.xml><?xml version="1.0" encoding="utf-8"?>
 <cs:chartStyle xmlns:cs="http://schemas.microsoft.com/office/drawing/2012/chartStyle" xmlns:a="http://schemas.openxmlformats.org/drawingml/2006/main" id="201">
   <cs:axisTitle>
     <cs:lnRef idx="0"/>
@@ -4267,6 +5458,61 @@
 </p:sld>
 </file>
 
+<file path=ppt/slides/slide2.xml><?xml version="1.0" encoding="utf-8"?>
+<p:sld xmlns:a="http://schemas.openxmlformats.org/drawingml/2006/main" xmlns:r="http://schemas.openxmlformats.org/officeDocument/2006/relationships" xmlns:p="http://schemas.openxmlformats.org/presentationml/2006/main">
+  <p:cSld>
+    <p:spTree>
+      <p:nvGrpSpPr>
+        <p:cNvPr id="1" name=""/>
+        <p:cNvGrpSpPr/>
+        <p:nvPr/>
+      </p:nvGrpSpPr>
+      <p:grpSpPr>
+        <a:xfrm>
+          <a:off x="0" y="0"/>
+          <a:ext cx="0" cy="0"/>
+          <a:chOff x="0" y="0"/>
+          <a:chExt cx="0" cy="0"/>
+        </a:xfrm>
+      </p:grpSpPr>
+      <p:graphicFrame>
+        <p:nvGraphicFramePr>
+          <p:cNvPr id="6" name="内容占位符 5"/>
+          <p:cNvGraphicFramePr>
+            <a:graphicFrameLocks noGrp="1"/>
+          </p:cNvGraphicFramePr>
+          <p:nvPr>
+            <p:ph idx="1"/>
+            <p:extLst>
+              <p:ext uri="{D42A27DB-BD31-4B8C-83A1-F6EECF244321}">
+                <p14:modId xmlns:p14="http://schemas.microsoft.com/office/powerpoint/2010/main" val="4059520498"/>
+              </p:ext>
+            </p:extLst>
+          </p:nvPr>
+        </p:nvGraphicFramePr>
+        <p:xfrm>
+          <a:off x="838200" y="398463"/>
+          <a:ext cx="10515600" cy="5778500"/>
+        </p:xfrm>
+        <a:graphic>
+          <a:graphicData uri="http://schemas.openxmlformats.org/drawingml/2006/chart">
+            <c:chart xmlns:c="http://schemas.openxmlformats.org/drawingml/2006/chart" xmlns:r="http://schemas.openxmlformats.org/officeDocument/2006/relationships" r:id="rId2"/>
+          </a:graphicData>
+        </a:graphic>
+      </p:graphicFrame>
+    </p:spTree>
+    <p:extLst>
+      <p:ext uri="{BB962C8B-B14F-4D97-AF65-F5344CB8AC3E}">
+        <p14:creationId xmlns:p14="http://schemas.microsoft.com/office/powerpoint/2010/main" val="1324500279"/>
+      </p:ext>
+    </p:extLst>
+  </p:cSld>
+  <p:clrMapOvr>
+    <a:masterClrMapping/>
+  </p:clrMapOvr>
+</p:sld>
+</file>
+
 <file path=ppt/theme/theme1.xml><?xml version="1.0" encoding="utf-8"?>
 <a:theme xmlns:a="http://schemas.openxmlformats.org/drawingml/2006/main" name="Office 主题">
   <a:themeElements>

--- a/doc/benchmark.pptx
+++ b/doc/benchmark.pptx
@@ -221,16 +221,16 @@
               <c:strCache>
                 <c:ptCount val="4"/>
                 <c:pt idx="0">
-                  <c:v>100 cocurrent</c:v>
+                  <c:v>100 concurrency</c:v>
                 </c:pt>
                 <c:pt idx="1">
-                  <c:v>200 cocurrent</c:v>
+                  <c:v>200 concurrency</c:v>
                 </c:pt>
                 <c:pt idx="2">
-                  <c:v>500 cocurrent</c:v>
+                  <c:v>500 concurrency</c:v>
                 </c:pt>
                 <c:pt idx="3">
-                  <c:v>1000 cocurrent</c:v>
+                  <c:v>1000 concurrency</c:v>
                 </c:pt>
               </c:strCache>
             </c:strRef>
@@ -287,16 +287,16 @@
               <c:strCache>
                 <c:ptCount val="4"/>
                 <c:pt idx="0">
-                  <c:v>100 cocurrent</c:v>
+                  <c:v>100 concurrency</c:v>
                 </c:pt>
                 <c:pt idx="1">
-                  <c:v>200 cocurrent</c:v>
+                  <c:v>200 concurrency</c:v>
                 </c:pt>
                 <c:pt idx="2">
-                  <c:v>500 cocurrent</c:v>
+                  <c:v>500 concurrency</c:v>
                 </c:pt>
                 <c:pt idx="3">
-                  <c:v>1000 cocurrent</c:v>
+                  <c:v>1000 concurrency</c:v>
                 </c:pt>
               </c:strCache>
             </c:strRef>
@@ -353,16 +353,16 @@
               <c:strCache>
                 <c:ptCount val="4"/>
                 <c:pt idx="0">
-                  <c:v>100 cocurrent</c:v>
+                  <c:v>100 concurrency</c:v>
                 </c:pt>
                 <c:pt idx="1">
-                  <c:v>200 cocurrent</c:v>
+                  <c:v>200 concurrency</c:v>
                 </c:pt>
                 <c:pt idx="2">
-                  <c:v>500 cocurrent</c:v>
+                  <c:v>500 concurrency</c:v>
                 </c:pt>
                 <c:pt idx="3">
-                  <c:v>1000 cocurrent</c:v>
+                  <c:v>1000 concurrency</c:v>
                 </c:pt>
               </c:strCache>
             </c:strRef>
@@ -419,16 +419,16 @@
               <c:strCache>
                 <c:ptCount val="4"/>
                 <c:pt idx="0">
-                  <c:v>100 cocurrent</c:v>
+                  <c:v>100 concurrency</c:v>
                 </c:pt>
                 <c:pt idx="1">
-                  <c:v>200 cocurrent</c:v>
+                  <c:v>200 concurrency</c:v>
                 </c:pt>
                 <c:pt idx="2">
-                  <c:v>500 cocurrent</c:v>
+                  <c:v>500 concurrency</c:v>
                 </c:pt>
                 <c:pt idx="3">
-                  <c:v>1000 cocurrent</c:v>
+                  <c:v>1000 concurrency</c:v>
                 </c:pt>
               </c:strCache>
             </c:strRef>
@@ -485,16 +485,16 @@
               <c:strCache>
                 <c:ptCount val="4"/>
                 <c:pt idx="0">
-                  <c:v>100 cocurrent</c:v>
+                  <c:v>100 concurrency</c:v>
                 </c:pt>
                 <c:pt idx="1">
-                  <c:v>200 cocurrent</c:v>
+                  <c:v>200 concurrency</c:v>
                 </c:pt>
                 <c:pt idx="2">
-                  <c:v>500 cocurrent</c:v>
+                  <c:v>500 concurrency</c:v>
                 </c:pt>
                 <c:pt idx="3">
-                  <c:v>1000 cocurrent</c:v>
+                  <c:v>1000 concurrency</c:v>
                 </c:pt>
               </c:strCache>
             </c:strRef>
@@ -531,11 +531,11 @@
         </c:dLbls>
         <c:gapWidth val="219"/>
         <c:overlap val="-27"/>
-        <c:axId val="384002720"/>
-        <c:axId val="383998368"/>
+        <c:axId val="-732634464"/>
+        <c:axId val="-732628480"/>
       </c:barChart>
       <c:catAx>
-        <c:axId val="384002720"/>
+        <c:axId val="-732634464"/>
         <c:scaling>
           <c:orientation val="minMax"/>
         </c:scaling>
@@ -639,7 +639,7 @@
             <a:endParaRPr lang="zh-CN"/>
           </a:p>
         </c:txPr>
-        <c:crossAx val="383998368"/>
+        <c:crossAx val="-732628480"/>
         <c:crosses val="autoZero"/>
         <c:auto val="1"/>
         <c:lblAlgn val="ctr"/>
@@ -647,7 +647,7 @@
         <c:noMultiLvlLbl val="0"/>
       </c:catAx>
       <c:valAx>
-        <c:axId val="383998368"/>
+        <c:axId val="-732628480"/>
         <c:scaling>
           <c:orientation val="minMax"/>
         </c:scaling>
@@ -755,7 +755,7 @@
             <a:endParaRPr lang="zh-CN"/>
           </a:p>
         </c:txPr>
-        <c:crossAx val="384002720"/>
+        <c:crossAx val="-732634464"/>
         <c:crosses val="autoZero"/>
         <c:crossBetween val="between"/>
       </c:valAx>
@@ -934,16 +934,16 @@
               <c:strCache>
                 <c:ptCount val="4"/>
                 <c:pt idx="0">
-                  <c:v>100 cocurrent</c:v>
+                  <c:v>100 concurrency</c:v>
                 </c:pt>
                 <c:pt idx="1">
-                  <c:v>200 cocurrent</c:v>
+                  <c:v>200 concurrency</c:v>
                 </c:pt>
                 <c:pt idx="2">
-                  <c:v>500 cocurrent</c:v>
+                  <c:v>500 concurrency</c:v>
                 </c:pt>
                 <c:pt idx="3">
-                  <c:v>1000 cocurrent</c:v>
+                  <c:v>1000 concurrency</c:v>
                 </c:pt>
               </c:strCache>
             </c:strRef>
@@ -1000,16 +1000,16 @@
               <c:strCache>
                 <c:ptCount val="4"/>
                 <c:pt idx="0">
-                  <c:v>100 cocurrent</c:v>
+                  <c:v>100 concurrency</c:v>
                 </c:pt>
                 <c:pt idx="1">
-                  <c:v>200 cocurrent</c:v>
+                  <c:v>200 concurrency</c:v>
                 </c:pt>
                 <c:pt idx="2">
-                  <c:v>500 cocurrent</c:v>
+                  <c:v>500 concurrency</c:v>
                 </c:pt>
                 <c:pt idx="3">
-                  <c:v>1000 cocurrent</c:v>
+                  <c:v>1000 concurrency</c:v>
                 </c:pt>
               </c:strCache>
             </c:strRef>
@@ -1066,16 +1066,16 @@
               <c:strCache>
                 <c:ptCount val="4"/>
                 <c:pt idx="0">
-                  <c:v>100 cocurrent</c:v>
+                  <c:v>100 concurrency</c:v>
                 </c:pt>
                 <c:pt idx="1">
-                  <c:v>200 cocurrent</c:v>
+                  <c:v>200 concurrency</c:v>
                 </c:pt>
                 <c:pt idx="2">
-                  <c:v>500 cocurrent</c:v>
+                  <c:v>500 concurrency</c:v>
                 </c:pt>
                 <c:pt idx="3">
-                  <c:v>1000 cocurrent</c:v>
+                  <c:v>1000 concurrency</c:v>
                 </c:pt>
               </c:strCache>
             </c:strRef>
@@ -1132,16 +1132,16 @@
               <c:strCache>
                 <c:ptCount val="4"/>
                 <c:pt idx="0">
-                  <c:v>100 cocurrent</c:v>
+                  <c:v>100 concurrency</c:v>
                 </c:pt>
                 <c:pt idx="1">
-                  <c:v>200 cocurrent</c:v>
+                  <c:v>200 concurrency</c:v>
                 </c:pt>
                 <c:pt idx="2">
-                  <c:v>500 cocurrent</c:v>
+                  <c:v>500 concurrency</c:v>
                 </c:pt>
                 <c:pt idx="3">
-                  <c:v>1000 cocurrent</c:v>
+                  <c:v>1000 concurrency</c:v>
                 </c:pt>
               </c:strCache>
             </c:strRef>
@@ -1178,11 +1178,11 @@
         </c:dLbls>
         <c:gapWidth val="219"/>
         <c:overlap val="-27"/>
-        <c:axId val="520059056"/>
-        <c:axId val="520059600"/>
+        <c:axId val="-676547792"/>
+        <c:axId val="-676545072"/>
       </c:barChart>
       <c:catAx>
-        <c:axId val="520059056"/>
+        <c:axId val="-676547792"/>
         <c:scaling>
           <c:orientation val="minMax"/>
         </c:scaling>
@@ -1286,7 +1286,7 @@
             <a:endParaRPr lang="zh-CN"/>
           </a:p>
         </c:txPr>
-        <c:crossAx val="520059600"/>
+        <c:crossAx val="-676545072"/>
         <c:crosses val="autoZero"/>
         <c:auto val="1"/>
         <c:lblAlgn val="ctr"/>
@@ -1294,7 +1294,7 @@
         <c:noMultiLvlLbl val="0"/>
       </c:catAx>
       <c:valAx>
-        <c:axId val="520059600"/>
+        <c:axId val="-676545072"/>
         <c:scaling>
           <c:orientation val="minMax"/>
         </c:scaling>
@@ -1402,7 +1402,7 @@
             <a:endParaRPr lang="zh-CN"/>
           </a:p>
         </c:txPr>
-        <c:crossAx val="520059056"/>
+        <c:crossAx val="-676547792"/>
         <c:crosses val="autoZero"/>
         <c:crossBetween val="between"/>
       </c:valAx>
@@ -2690,7 +2690,7 @@
           <a:p>
             <a:fld id="{8D0B3DFF-72D8-4763-AFA8-AF2C668498FE}" type="datetimeFigureOut">
               <a:rPr lang="zh-CN" altLang="en-US" smtClean="0"/>
-              <a:t>2018/2/24</a:t>
+              <a:t>2018/2/26</a:t>
             </a:fld>
             <a:endParaRPr lang="zh-CN" altLang="en-US"/>
           </a:p>
@@ -2860,7 +2860,7 @@
           <a:p>
             <a:fld id="{8D0B3DFF-72D8-4763-AFA8-AF2C668498FE}" type="datetimeFigureOut">
               <a:rPr lang="zh-CN" altLang="en-US" smtClean="0"/>
-              <a:t>2018/2/24</a:t>
+              <a:t>2018/2/26</a:t>
             </a:fld>
             <a:endParaRPr lang="zh-CN" altLang="en-US"/>
           </a:p>
@@ -3040,7 +3040,7 @@
           <a:p>
             <a:fld id="{8D0B3DFF-72D8-4763-AFA8-AF2C668498FE}" type="datetimeFigureOut">
               <a:rPr lang="zh-CN" altLang="en-US" smtClean="0"/>
-              <a:t>2018/2/24</a:t>
+              <a:t>2018/2/26</a:t>
             </a:fld>
             <a:endParaRPr lang="zh-CN" altLang="en-US"/>
           </a:p>
@@ -3210,7 +3210,7 @@
           <a:p>
             <a:fld id="{8D0B3DFF-72D8-4763-AFA8-AF2C668498FE}" type="datetimeFigureOut">
               <a:rPr lang="zh-CN" altLang="en-US" smtClean="0"/>
-              <a:t>2018/2/24</a:t>
+              <a:t>2018/2/26</a:t>
             </a:fld>
             <a:endParaRPr lang="zh-CN" altLang="en-US"/>
           </a:p>
@@ -3456,7 +3456,7 @@
           <a:p>
             <a:fld id="{8D0B3DFF-72D8-4763-AFA8-AF2C668498FE}" type="datetimeFigureOut">
               <a:rPr lang="zh-CN" altLang="en-US" smtClean="0"/>
-              <a:t>2018/2/24</a:t>
+              <a:t>2018/2/26</a:t>
             </a:fld>
             <a:endParaRPr lang="zh-CN" altLang="en-US"/>
           </a:p>
@@ -3688,7 +3688,7 @@
           <a:p>
             <a:fld id="{8D0B3DFF-72D8-4763-AFA8-AF2C668498FE}" type="datetimeFigureOut">
               <a:rPr lang="zh-CN" altLang="en-US" smtClean="0"/>
-              <a:t>2018/2/24</a:t>
+              <a:t>2018/2/26</a:t>
             </a:fld>
             <a:endParaRPr lang="zh-CN" altLang="en-US"/>
           </a:p>
@@ -4055,7 +4055,7 @@
           <a:p>
             <a:fld id="{8D0B3DFF-72D8-4763-AFA8-AF2C668498FE}" type="datetimeFigureOut">
               <a:rPr lang="zh-CN" altLang="en-US" smtClean="0"/>
-              <a:t>2018/2/24</a:t>
+              <a:t>2018/2/26</a:t>
             </a:fld>
             <a:endParaRPr lang="zh-CN" altLang="en-US"/>
           </a:p>
@@ -4173,7 +4173,7 @@
           <a:p>
             <a:fld id="{8D0B3DFF-72D8-4763-AFA8-AF2C668498FE}" type="datetimeFigureOut">
               <a:rPr lang="zh-CN" altLang="en-US" smtClean="0"/>
-              <a:t>2018/2/24</a:t>
+              <a:t>2018/2/26</a:t>
             </a:fld>
             <a:endParaRPr lang="zh-CN" altLang="en-US"/>
           </a:p>
@@ -4268,7 +4268,7 @@
           <a:p>
             <a:fld id="{8D0B3DFF-72D8-4763-AFA8-AF2C668498FE}" type="datetimeFigureOut">
               <a:rPr lang="zh-CN" altLang="en-US" smtClean="0"/>
-              <a:t>2018/2/24</a:t>
+              <a:t>2018/2/26</a:t>
             </a:fld>
             <a:endParaRPr lang="zh-CN" altLang="en-US"/>
           </a:p>
@@ -4545,7 +4545,7 @@
           <a:p>
             <a:fld id="{8D0B3DFF-72D8-4763-AFA8-AF2C668498FE}" type="datetimeFigureOut">
               <a:rPr lang="zh-CN" altLang="en-US" smtClean="0"/>
-              <a:t>2018/2/24</a:t>
+              <a:t>2018/2/26</a:t>
             </a:fld>
             <a:endParaRPr lang="zh-CN" altLang="en-US"/>
           </a:p>
@@ -4802,7 +4802,7 @@
           <a:p>
             <a:fld id="{8D0B3DFF-72D8-4763-AFA8-AF2C668498FE}" type="datetimeFigureOut">
               <a:rPr lang="zh-CN" altLang="en-US" smtClean="0"/>
-              <a:t>2018/2/24</a:t>
+              <a:t>2018/2/26</a:t>
             </a:fld>
             <a:endParaRPr lang="zh-CN" altLang="en-US"/>
           </a:p>
@@ -5015,7 +5015,7 @@
           <a:p>
             <a:fld id="{8D0B3DFF-72D8-4763-AFA8-AF2C668498FE}" type="datetimeFigureOut">
               <a:rPr lang="zh-CN" altLang="en-US" smtClean="0"/>
-              <a:t>2018/2/24</a:t>
+              <a:t>2018/2/26</a:t>
             </a:fld>
             <a:endParaRPr lang="zh-CN" altLang="en-US"/>
           </a:p>
@@ -5430,7 +5430,7 @@
             <p:ph idx="1"/>
             <p:extLst>
               <p:ext uri="{D42A27DB-BD31-4B8C-83A1-F6EECF244321}">
-                <p14:modId xmlns:p14="http://schemas.microsoft.com/office/powerpoint/2010/main" val="3169946217"/>
+                <p14:modId xmlns:p14="http://schemas.microsoft.com/office/powerpoint/2010/main" val="3909995544"/>
               </p:ext>
             </p:extLst>
           </p:nvPr>
@@ -5485,7 +5485,7 @@
             <p:ph idx="1"/>
             <p:extLst>
               <p:ext uri="{D42A27DB-BD31-4B8C-83A1-F6EECF244321}">
-                <p14:modId xmlns:p14="http://schemas.microsoft.com/office/powerpoint/2010/main" val="4059520498"/>
+                <p14:modId xmlns:p14="http://schemas.microsoft.com/office/powerpoint/2010/main" val="3973425337"/>
               </p:ext>
             </p:extLst>
           </p:nvPr>

--- a/doc/benchmark.pptx
+++ b/doc/benchmark.pptx
@@ -114,7 +114,7 @@
 </file>
 
 <file path=ppt/charts/chart1.xml><?xml version="1.0" encoding="utf-8"?>
-<c:chartSpace xmlns:c="http://schemas.openxmlformats.org/drawingml/2006/chart" xmlns:a="http://schemas.openxmlformats.org/drawingml/2006/main" xmlns:r="http://schemas.openxmlformats.org/officeDocument/2006/relationships">
+<c:chartSpace xmlns:c="http://schemas.openxmlformats.org/drawingml/2006/chart" xmlns:a="http://schemas.openxmlformats.org/drawingml/2006/main" xmlns:r="http://schemas.openxmlformats.org/officeDocument/2006/relationships" xmlns:c16r2="http://schemas.microsoft.com/office/drawing/2015/06/chart">
   <c:date1904 val="0"/>
   <c:lang val="zh-CN"/>
   <c:roundedCorners val="0"/>
@@ -147,14 +147,13 @@
               </a:defRPr>
             </a:pPr>
             <a:r>
-              <a:rPr lang="en-US" altLang="zh-CN" dirty="0" smtClean="0"/>
+              <a:rPr lang="en-US" altLang="zh-CN" dirty="0"/>
               <a:t>IOPS</a:t>
             </a:r>
             <a:endParaRPr lang="zh-CN" altLang="en-US" dirty="0"/>
           </a:p>
         </c:rich>
       </c:tx>
-      <c:layout/>
       <c:overlay val="0"/>
       <c:spPr>
         <a:noFill/>
@@ -256,6 +255,11 @@
               </c:numCache>
             </c:numRef>
           </c:val>
+          <c:extLst>
+            <c:ext xmlns:c16="http://schemas.microsoft.com/office/drawing/2014/chart" uri="{C3380CC4-5D6E-409C-BE32-E72D297353CC}">
+              <c16:uniqueId val="{00000000-6165-B949-8E6F-FB2485598119}"/>
+            </c:ext>
+          </c:extLst>
         </c:ser>
         <c:ser>
           <c:idx val="1"/>
@@ -322,6 +326,11 @@
               </c:numCache>
             </c:numRef>
           </c:val>
+          <c:extLst>
+            <c:ext xmlns:c16="http://schemas.microsoft.com/office/drawing/2014/chart" uri="{C3380CC4-5D6E-409C-BE32-E72D297353CC}">
+              <c16:uniqueId val="{00000001-6165-B949-8E6F-FB2485598119}"/>
+            </c:ext>
+          </c:extLst>
         </c:ser>
         <c:ser>
           <c:idx val="2"/>
@@ -388,6 +397,11 @@
               </c:numCache>
             </c:numRef>
           </c:val>
+          <c:extLst>
+            <c:ext xmlns:c16="http://schemas.microsoft.com/office/drawing/2014/chart" uri="{C3380CC4-5D6E-409C-BE32-E72D297353CC}">
+              <c16:uniqueId val="{00000002-6165-B949-8E6F-FB2485598119}"/>
+            </c:ext>
+          </c:extLst>
         </c:ser>
         <c:ser>
           <c:idx val="3"/>
@@ -454,6 +468,11 @@
               </c:numCache>
             </c:numRef>
           </c:val>
+          <c:extLst>
+            <c:ext xmlns:c16="http://schemas.microsoft.com/office/drawing/2014/chart" uri="{C3380CC4-5D6E-409C-BE32-E72D297353CC}">
+              <c16:uniqueId val="{00000003-6165-B949-8E6F-FB2485598119}"/>
+            </c:ext>
+          </c:extLst>
         </c:ser>
         <c:ser>
           <c:idx val="4"/>
@@ -520,6 +539,11 @@
               </c:numCache>
             </c:numRef>
           </c:val>
+          <c:extLst>
+            <c:ext xmlns:c16="http://schemas.microsoft.com/office/drawing/2014/chart" uri="{C3380CC4-5D6E-409C-BE32-E72D297353CC}">
+              <c16:uniqueId val="{00000004-6165-B949-8E6F-FB2485598119}"/>
+            </c:ext>
+          </c:extLst>
         </c:ser>
         <c:dLbls>
           <c:showLegendKey val="0"/>
@@ -561,18 +585,16 @@
                   </a:defRPr>
                 </a:pPr>
                 <a:r>
-                  <a:rPr lang="en-US" altLang="zh-CN" dirty="0" smtClean="0"/>
+                  <a:rPr lang="en-US" altLang="zh-CN" dirty="0"/>
                   <a:t>IO</a:t>
                 </a:r>
                 <a:r>
-                  <a:rPr lang="zh-CN" altLang="en-US" dirty="0" smtClean="0"/>
+                  <a:rPr lang="zh-CN" altLang="en-US" dirty="0"/>
                   <a:t>性能对比</a:t>
                 </a:r>
-                <a:endParaRPr lang="zh-CN" altLang="en-US" dirty="0"/>
               </a:p>
             </c:rich>
           </c:tx>
-          <c:layout/>
           <c:overlay val="0"/>
           <c:spPr>
             <a:noFill/>
@@ -687,14 +709,13 @@
                   </a:defRPr>
                 </a:pPr>
                 <a:r>
-                  <a:rPr lang="en-US" altLang="zh-CN" dirty="0" smtClean="0"/>
+                  <a:rPr lang="en-US" altLang="zh-CN" dirty="0"/>
                   <a:t>QPS</a:t>
                 </a:r>
                 <a:endParaRPr lang="zh-CN" altLang="en-US" dirty="0"/>
               </a:p>
             </c:rich>
           </c:tx>
-          <c:layout/>
           <c:overlay val="0"/>
           <c:spPr>
             <a:noFill/>
@@ -769,7 +790,6 @@
     </c:plotArea>
     <c:legend>
       <c:legendPos val="b"/>
-      <c:layout/>
       <c:overlay val="0"/>
       <c:spPr>
         <a:noFill/>
@@ -827,7 +847,7 @@
 </file>
 
 <file path=ppt/charts/chart2.xml><?xml version="1.0" encoding="utf-8"?>
-<c:chartSpace xmlns:c="http://schemas.openxmlformats.org/drawingml/2006/chart" xmlns:a="http://schemas.openxmlformats.org/drawingml/2006/main" xmlns:r="http://schemas.openxmlformats.org/officeDocument/2006/relationships">
+<c:chartSpace xmlns:c="http://schemas.openxmlformats.org/drawingml/2006/chart" xmlns:a="http://schemas.openxmlformats.org/drawingml/2006/main" xmlns:r="http://schemas.openxmlformats.org/officeDocument/2006/relationships" xmlns:c16r2="http://schemas.microsoft.com/office/drawing/2015/06/chart">
   <c:date1904 val="0"/>
   <c:lang val="zh-CN"/>
   <c:roundedCorners val="0"/>
@@ -860,14 +880,13 @@
               </a:defRPr>
             </a:pPr>
             <a:r>
-              <a:rPr lang="en-US" altLang="zh-CN" dirty="0" smtClean="0"/>
+              <a:rPr lang="en-US" altLang="zh-CN" dirty="0"/>
               <a:t>IOPS</a:t>
             </a:r>
             <a:endParaRPr lang="zh-CN" altLang="en-US" dirty="0"/>
           </a:p>
         </c:rich>
       </c:tx>
-      <c:layout/>
       <c:overlay val="0"/>
       <c:spPr>
         <a:noFill/>
@@ -969,6 +988,11 @@
               </c:numCache>
             </c:numRef>
           </c:val>
+          <c:extLst>
+            <c:ext xmlns:c16="http://schemas.microsoft.com/office/drawing/2014/chart" uri="{C3380CC4-5D6E-409C-BE32-E72D297353CC}">
+              <c16:uniqueId val="{00000000-4FCA-614E-A6FB-41F79C847C35}"/>
+            </c:ext>
+          </c:extLst>
         </c:ser>
         <c:ser>
           <c:idx val="1"/>
@@ -1035,6 +1059,11 @@
               </c:numCache>
             </c:numRef>
           </c:val>
+          <c:extLst>
+            <c:ext xmlns:c16="http://schemas.microsoft.com/office/drawing/2014/chart" uri="{C3380CC4-5D6E-409C-BE32-E72D297353CC}">
+              <c16:uniqueId val="{00000001-4FCA-614E-A6FB-41F79C847C35}"/>
+            </c:ext>
+          </c:extLst>
         </c:ser>
         <c:ser>
           <c:idx val="2"/>
@@ -1101,6 +1130,11 @@
               </c:numCache>
             </c:numRef>
           </c:val>
+          <c:extLst>
+            <c:ext xmlns:c16="http://schemas.microsoft.com/office/drawing/2014/chart" uri="{C3380CC4-5D6E-409C-BE32-E72D297353CC}">
+              <c16:uniqueId val="{00000002-4FCA-614E-A6FB-41F79C847C35}"/>
+            </c:ext>
+          </c:extLst>
         </c:ser>
         <c:ser>
           <c:idx val="3"/>
@@ -1167,6 +1201,11 @@
               </c:numCache>
             </c:numRef>
           </c:val>
+          <c:extLst>
+            <c:ext xmlns:c16="http://schemas.microsoft.com/office/drawing/2014/chart" uri="{C3380CC4-5D6E-409C-BE32-E72D297353CC}">
+              <c16:uniqueId val="{00000003-4FCA-614E-A6FB-41F79C847C35}"/>
+            </c:ext>
+          </c:extLst>
         </c:ser>
         <c:dLbls>
           <c:showLegendKey val="0"/>
@@ -1208,18 +1247,16 @@
                   </a:defRPr>
                 </a:pPr>
                 <a:r>
-                  <a:rPr lang="en-US" altLang="zh-CN" dirty="0" smtClean="0"/>
+                  <a:rPr lang="en-US" altLang="zh-CN" dirty="0"/>
                   <a:t>IO</a:t>
                 </a:r>
                 <a:r>
-                  <a:rPr lang="zh-CN" altLang="en-US" dirty="0" smtClean="0"/>
+                  <a:rPr lang="zh-CN" altLang="en-US" dirty="0"/>
                   <a:t>性能对比</a:t>
                 </a:r>
-                <a:endParaRPr lang="zh-CN" altLang="en-US" dirty="0"/>
               </a:p>
             </c:rich>
           </c:tx>
-          <c:layout/>
           <c:overlay val="0"/>
           <c:spPr>
             <a:noFill/>
@@ -1334,14 +1371,13 @@
                   </a:defRPr>
                 </a:pPr>
                 <a:r>
-                  <a:rPr lang="en-US" altLang="zh-CN" dirty="0" smtClean="0"/>
+                  <a:rPr lang="en-US" altLang="zh-CN" dirty="0"/>
                   <a:t>QPS</a:t>
                 </a:r>
                 <a:endParaRPr lang="zh-CN" altLang="en-US" dirty="0"/>
               </a:p>
             </c:rich>
           </c:tx>
-          <c:layout/>
           <c:overlay val="0"/>
           <c:spPr>
             <a:noFill/>
@@ -1416,7 +1452,6 @@
     </c:plotArea>
     <c:legend>
       <c:legendPos val="b"/>
-      <c:layout/>
       <c:overlay val="0"/>
       <c:spPr>
         <a:noFill/>
@@ -2601,10 +2636,9 @@
           </a:lstStyle>
           <a:p>
             <a:r>
-              <a:rPr lang="zh-CN" altLang="en-US" smtClean="0"/>
+              <a:rPr lang="zh-CN" altLang="en-US"/>
               <a:t>单击此处编辑母版标题样式</a:t>
             </a:r>
-            <a:endParaRPr lang="zh-CN" altLang="en-US"/>
           </a:p>
         </p:txBody>
       </p:sp>
@@ -2666,10 +2700,9 @@
           </a:lstStyle>
           <a:p>
             <a:r>
-              <a:rPr lang="zh-CN" altLang="en-US" smtClean="0"/>
+              <a:rPr lang="zh-CN" altLang="en-US"/>
               <a:t>单击此处编辑母版副标题样式</a:t>
             </a:r>
-            <a:endParaRPr lang="zh-CN" altLang="en-US"/>
           </a:p>
         </p:txBody>
       </p:sp>
@@ -2690,7 +2723,7 @@
           <a:p>
             <a:fld id="{8D0B3DFF-72D8-4763-AFA8-AF2C668498FE}" type="datetimeFigureOut">
               <a:rPr lang="zh-CN" altLang="en-US" smtClean="0"/>
-              <a:t>2018/2/26</a:t>
+              <a:t>2020/6/4</a:t>
             </a:fld>
             <a:endParaRPr lang="zh-CN" altLang="en-US"/>
           </a:p>
@@ -2784,10 +2817,9 @@
           <a:lstStyle/>
           <a:p>
             <a:r>
-              <a:rPr lang="zh-CN" altLang="en-US" smtClean="0"/>
+              <a:rPr lang="zh-CN" altLang="en-US"/>
               <a:t>单击此处编辑母版标题样式</a:t>
             </a:r>
-            <a:endParaRPr lang="zh-CN" altLang="en-US"/>
           </a:p>
         </p:txBody>
       </p:sp>
@@ -2808,38 +2840,37 @@
           <a:p>
             <a:pPr lvl="0"/>
             <a:r>
-              <a:rPr lang="zh-CN" altLang="en-US" smtClean="0"/>
+              <a:rPr lang="zh-CN" altLang="en-US"/>
               <a:t>单击此处编辑母版文本样式</a:t>
             </a:r>
           </a:p>
           <a:p>
             <a:pPr lvl="1"/>
             <a:r>
-              <a:rPr lang="zh-CN" altLang="en-US" smtClean="0"/>
+              <a:rPr lang="zh-CN" altLang="en-US"/>
               <a:t>第二级</a:t>
             </a:r>
           </a:p>
           <a:p>
             <a:pPr lvl="2"/>
             <a:r>
-              <a:rPr lang="zh-CN" altLang="en-US" smtClean="0"/>
+              <a:rPr lang="zh-CN" altLang="en-US"/>
               <a:t>第三级</a:t>
             </a:r>
           </a:p>
           <a:p>
             <a:pPr lvl="3"/>
             <a:r>
-              <a:rPr lang="zh-CN" altLang="en-US" smtClean="0"/>
+              <a:rPr lang="zh-CN" altLang="en-US"/>
               <a:t>第四级</a:t>
             </a:r>
           </a:p>
           <a:p>
             <a:pPr lvl="4"/>
             <a:r>
-              <a:rPr lang="zh-CN" altLang="en-US" smtClean="0"/>
+              <a:rPr lang="zh-CN" altLang="en-US"/>
               <a:t>第五级</a:t>
             </a:r>
-            <a:endParaRPr lang="zh-CN" altLang="en-US"/>
           </a:p>
         </p:txBody>
       </p:sp>
@@ -2860,7 +2891,7 @@
           <a:p>
             <a:fld id="{8D0B3DFF-72D8-4763-AFA8-AF2C668498FE}" type="datetimeFigureOut">
               <a:rPr lang="zh-CN" altLang="en-US" smtClean="0"/>
-              <a:t>2018/2/26</a:t>
+              <a:t>2020/6/4</a:t>
             </a:fld>
             <a:endParaRPr lang="zh-CN" altLang="en-US"/>
           </a:p>
@@ -2959,10 +2990,9 @@
           <a:lstStyle/>
           <a:p>
             <a:r>
-              <a:rPr lang="zh-CN" altLang="en-US" smtClean="0"/>
+              <a:rPr lang="zh-CN" altLang="en-US"/>
               <a:t>单击此处编辑母版标题样式</a:t>
             </a:r>
-            <a:endParaRPr lang="zh-CN" altLang="en-US"/>
           </a:p>
         </p:txBody>
       </p:sp>
@@ -2988,38 +3018,37 @@
           <a:p>
             <a:pPr lvl="0"/>
             <a:r>
-              <a:rPr lang="zh-CN" altLang="en-US" smtClean="0"/>
+              <a:rPr lang="zh-CN" altLang="en-US"/>
               <a:t>单击此处编辑母版文本样式</a:t>
             </a:r>
           </a:p>
           <a:p>
             <a:pPr lvl="1"/>
             <a:r>
-              <a:rPr lang="zh-CN" altLang="en-US" smtClean="0"/>
+              <a:rPr lang="zh-CN" altLang="en-US"/>
               <a:t>第二级</a:t>
             </a:r>
           </a:p>
           <a:p>
             <a:pPr lvl="2"/>
             <a:r>
-              <a:rPr lang="zh-CN" altLang="en-US" smtClean="0"/>
+              <a:rPr lang="zh-CN" altLang="en-US"/>
               <a:t>第三级</a:t>
             </a:r>
           </a:p>
           <a:p>
             <a:pPr lvl="3"/>
             <a:r>
-              <a:rPr lang="zh-CN" altLang="en-US" smtClean="0"/>
+              <a:rPr lang="zh-CN" altLang="en-US"/>
               <a:t>第四级</a:t>
             </a:r>
           </a:p>
           <a:p>
             <a:pPr lvl="4"/>
             <a:r>
-              <a:rPr lang="zh-CN" altLang="en-US" smtClean="0"/>
+              <a:rPr lang="zh-CN" altLang="en-US"/>
               <a:t>第五级</a:t>
             </a:r>
-            <a:endParaRPr lang="zh-CN" altLang="en-US"/>
           </a:p>
         </p:txBody>
       </p:sp>
@@ -3040,7 +3069,7 @@
           <a:p>
             <a:fld id="{8D0B3DFF-72D8-4763-AFA8-AF2C668498FE}" type="datetimeFigureOut">
               <a:rPr lang="zh-CN" altLang="en-US" smtClean="0"/>
-              <a:t>2018/2/26</a:t>
+              <a:t>2020/6/4</a:t>
             </a:fld>
             <a:endParaRPr lang="zh-CN" altLang="en-US"/>
           </a:p>
@@ -3134,10 +3163,9 @@
           <a:lstStyle/>
           <a:p>
             <a:r>
-              <a:rPr lang="zh-CN" altLang="en-US" smtClean="0"/>
+              <a:rPr lang="zh-CN" altLang="en-US"/>
               <a:t>单击此处编辑母版标题样式</a:t>
             </a:r>
-            <a:endParaRPr lang="zh-CN" altLang="en-US"/>
           </a:p>
         </p:txBody>
       </p:sp>
@@ -3158,38 +3186,37 @@
           <a:p>
             <a:pPr lvl="0"/>
             <a:r>
-              <a:rPr lang="zh-CN" altLang="en-US" smtClean="0"/>
+              <a:rPr lang="zh-CN" altLang="en-US"/>
               <a:t>单击此处编辑母版文本样式</a:t>
             </a:r>
           </a:p>
           <a:p>
             <a:pPr lvl="1"/>
             <a:r>
-              <a:rPr lang="zh-CN" altLang="en-US" smtClean="0"/>
+              <a:rPr lang="zh-CN" altLang="en-US"/>
               <a:t>第二级</a:t>
             </a:r>
           </a:p>
           <a:p>
             <a:pPr lvl="2"/>
             <a:r>
-              <a:rPr lang="zh-CN" altLang="en-US" smtClean="0"/>
+              <a:rPr lang="zh-CN" altLang="en-US"/>
               <a:t>第三级</a:t>
             </a:r>
           </a:p>
           <a:p>
             <a:pPr lvl="3"/>
             <a:r>
-              <a:rPr lang="zh-CN" altLang="en-US" smtClean="0"/>
+              <a:rPr lang="zh-CN" altLang="en-US"/>
               <a:t>第四级</a:t>
             </a:r>
           </a:p>
           <a:p>
             <a:pPr lvl="4"/>
             <a:r>
-              <a:rPr lang="zh-CN" altLang="en-US" smtClean="0"/>
+              <a:rPr lang="zh-CN" altLang="en-US"/>
               <a:t>第五级</a:t>
             </a:r>
-            <a:endParaRPr lang="zh-CN" altLang="en-US"/>
           </a:p>
         </p:txBody>
       </p:sp>
@@ -3210,7 +3237,7 @@
           <a:p>
             <a:fld id="{8D0B3DFF-72D8-4763-AFA8-AF2C668498FE}" type="datetimeFigureOut">
               <a:rPr lang="zh-CN" altLang="en-US" smtClean="0"/>
-              <a:t>2018/2/26</a:t>
+              <a:t>2020/6/4</a:t>
             </a:fld>
             <a:endParaRPr lang="zh-CN" altLang="en-US"/>
           </a:p>
@@ -3313,10 +3340,9 @@
           </a:lstStyle>
           <a:p>
             <a:r>
-              <a:rPr lang="zh-CN" altLang="en-US" smtClean="0"/>
+              <a:rPr lang="zh-CN" altLang="en-US"/>
               <a:t>单击此处编辑母版标题样式</a:t>
             </a:r>
-            <a:endParaRPr lang="zh-CN" altLang="en-US"/>
           </a:p>
         </p:txBody>
       </p:sp>
@@ -3433,7 +3459,7 @@
           <a:p>
             <a:pPr lvl="0"/>
             <a:r>
-              <a:rPr lang="zh-CN" altLang="en-US" smtClean="0"/>
+              <a:rPr lang="zh-CN" altLang="en-US"/>
               <a:t>单击此处编辑母版文本样式</a:t>
             </a:r>
           </a:p>
@@ -3456,7 +3482,7 @@
           <a:p>
             <a:fld id="{8D0B3DFF-72D8-4763-AFA8-AF2C668498FE}" type="datetimeFigureOut">
               <a:rPr lang="zh-CN" altLang="en-US" smtClean="0"/>
-              <a:t>2018/2/26</a:t>
+              <a:t>2020/6/4</a:t>
             </a:fld>
             <a:endParaRPr lang="zh-CN" altLang="en-US"/>
           </a:p>
@@ -3550,10 +3576,9 @@
           <a:lstStyle/>
           <a:p>
             <a:r>
-              <a:rPr lang="zh-CN" altLang="en-US" smtClean="0"/>
+              <a:rPr lang="zh-CN" altLang="en-US"/>
               <a:t>单击此处编辑母版标题样式</a:t>
             </a:r>
-            <a:endParaRPr lang="zh-CN" altLang="en-US"/>
           </a:p>
         </p:txBody>
       </p:sp>
@@ -3579,38 +3604,37 @@
           <a:p>
             <a:pPr lvl="0"/>
             <a:r>
-              <a:rPr lang="zh-CN" altLang="en-US" smtClean="0"/>
+              <a:rPr lang="zh-CN" altLang="en-US"/>
               <a:t>单击此处编辑母版文本样式</a:t>
             </a:r>
           </a:p>
           <a:p>
             <a:pPr lvl="1"/>
             <a:r>
-              <a:rPr lang="zh-CN" altLang="en-US" smtClean="0"/>
+              <a:rPr lang="zh-CN" altLang="en-US"/>
               <a:t>第二级</a:t>
             </a:r>
           </a:p>
           <a:p>
             <a:pPr lvl="2"/>
             <a:r>
-              <a:rPr lang="zh-CN" altLang="en-US" smtClean="0"/>
+              <a:rPr lang="zh-CN" altLang="en-US"/>
               <a:t>第三级</a:t>
             </a:r>
           </a:p>
           <a:p>
             <a:pPr lvl="3"/>
             <a:r>
-              <a:rPr lang="zh-CN" altLang="en-US" smtClean="0"/>
+              <a:rPr lang="zh-CN" altLang="en-US"/>
               <a:t>第四级</a:t>
             </a:r>
           </a:p>
           <a:p>
             <a:pPr lvl="4"/>
             <a:r>
-              <a:rPr lang="zh-CN" altLang="en-US" smtClean="0"/>
+              <a:rPr lang="zh-CN" altLang="en-US"/>
               <a:t>第五级</a:t>
             </a:r>
-            <a:endParaRPr lang="zh-CN" altLang="en-US"/>
           </a:p>
         </p:txBody>
       </p:sp>
@@ -3636,38 +3660,37 @@
           <a:p>
             <a:pPr lvl="0"/>
             <a:r>
-              <a:rPr lang="zh-CN" altLang="en-US" smtClean="0"/>
+              <a:rPr lang="zh-CN" altLang="en-US"/>
               <a:t>单击此处编辑母版文本样式</a:t>
             </a:r>
           </a:p>
           <a:p>
             <a:pPr lvl="1"/>
             <a:r>
-              <a:rPr lang="zh-CN" altLang="en-US" smtClean="0"/>
+              <a:rPr lang="zh-CN" altLang="en-US"/>
               <a:t>第二级</a:t>
             </a:r>
           </a:p>
           <a:p>
             <a:pPr lvl="2"/>
             <a:r>
-              <a:rPr lang="zh-CN" altLang="en-US" smtClean="0"/>
+              <a:rPr lang="zh-CN" altLang="en-US"/>
               <a:t>第三级</a:t>
             </a:r>
           </a:p>
           <a:p>
             <a:pPr lvl="3"/>
             <a:r>
-              <a:rPr lang="zh-CN" altLang="en-US" smtClean="0"/>
+              <a:rPr lang="zh-CN" altLang="en-US"/>
               <a:t>第四级</a:t>
             </a:r>
           </a:p>
           <a:p>
             <a:pPr lvl="4"/>
             <a:r>
-              <a:rPr lang="zh-CN" altLang="en-US" smtClean="0"/>
+              <a:rPr lang="zh-CN" altLang="en-US"/>
               <a:t>第五级</a:t>
             </a:r>
-            <a:endParaRPr lang="zh-CN" altLang="en-US"/>
           </a:p>
         </p:txBody>
       </p:sp>
@@ -3688,7 +3711,7 @@
           <a:p>
             <a:fld id="{8D0B3DFF-72D8-4763-AFA8-AF2C668498FE}" type="datetimeFigureOut">
               <a:rPr lang="zh-CN" altLang="en-US" smtClean="0"/>
-              <a:t>2018/2/26</a:t>
+              <a:t>2020/6/4</a:t>
             </a:fld>
             <a:endParaRPr lang="zh-CN" altLang="en-US"/>
           </a:p>
@@ -3787,10 +3810,9 @@
           <a:lstStyle/>
           <a:p>
             <a:r>
-              <a:rPr lang="zh-CN" altLang="en-US" smtClean="0"/>
+              <a:rPr lang="zh-CN" altLang="en-US"/>
               <a:t>单击此处编辑母版标题样式</a:t>
             </a:r>
-            <a:endParaRPr lang="zh-CN" altLang="en-US"/>
           </a:p>
         </p:txBody>
       </p:sp>
@@ -3853,7 +3875,7 @@
           <a:p>
             <a:pPr lvl="0"/>
             <a:r>
-              <a:rPr lang="zh-CN" altLang="en-US" smtClean="0"/>
+              <a:rPr lang="zh-CN" altLang="en-US"/>
               <a:t>单击此处编辑母版文本样式</a:t>
             </a:r>
           </a:p>
@@ -3881,38 +3903,37 @@
           <a:p>
             <a:pPr lvl="0"/>
             <a:r>
-              <a:rPr lang="zh-CN" altLang="en-US" smtClean="0"/>
+              <a:rPr lang="zh-CN" altLang="en-US"/>
               <a:t>单击此处编辑母版文本样式</a:t>
             </a:r>
           </a:p>
           <a:p>
             <a:pPr lvl="1"/>
             <a:r>
-              <a:rPr lang="zh-CN" altLang="en-US" smtClean="0"/>
+              <a:rPr lang="zh-CN" altLang="en-US"/>
               <a:t>第二级</a:t>
             </a:r>
           </a:p>
           <a:p>
             <a:pPr lvl="2"/>
             <a:r>
-              <a:rPr lang="zh-CN" altLang="en-US" smtClean="0"/>
+              <a:rPr lang="zh-CN" altLang="en-US"/>
               <a:t>第三级</a:t>
             </a:r>
           </a:p>
           <a:p>
             <a:pPr lvl="3"/>
             <a:r>
-              <a:rPr lang="zh-CN" altLang="en-US" smtClean="0"/>
+              <a:rPr lang="zh-CN" altLang="en-US"/>
               <a:t>第四级</a:t>
             </a:r>
           </a:p>
           <a:p>
             <a:pPr lvl="4"/>
             <a:r>
-              <a:rPr lang="zh-CN" altLang="en-US" smtClean="0"/>
+              <a:rPr lang="zh-CN" altLang="en-US"/>
               <a:t>第五级</a:t>
             </a:r>
-            <a:endParaRPr lang="zh-CN" altLang="en-US"/>
           </a:p>
         </p:txBody>
       </p:sp>
@@ -3975,7 +3996,7 @@
           <a:p>
             <a:pPr lvl="0"/>
             <a:r>
-              <a:rPr lang="zh-CN" altLang="en-US" smtClean="0"/>
+              <a:rPr lang="zh-CN" altLang="en-US"/>
               <a:t>单击此处编辑母版文本样式</a:t>
             </a:r>
           </a:p>
@@ -4003,38 +4024,37 @@
           <a:p>
             <a:pPr lvl="0"/>
             <a:r>
-              <a:rPr lang="zh-CN" altLang="en-US" smtClean="0"/>
+              <a:rPr lang="zh-CN" altLang="en-US"/>
               <a:t>单击此处编辑母版文本样式</a:t>
             </a:r>
           </a:p>
           <a:p>
             <a:pPr lvl="1"/>
             <a:r>
-              <a:rPr lang="zh-CN" altLang="en-US" smtClean="0"/>
+              <a:rPr lang="zh-CN" altLang="en-US"/>
               <a:t>第二级</a:t>
             </a:r>
           </a:p>
           <a:p>
             <a:pPr lvl="2"/>
             <a:r>
-              <a:rPr lang="zh-CN" altLang="en-US" smtClean="0"/>
+              <a:rPr lang="zh-CN" altLang="en-US"/>
               <a:t>第三级</a:t>
             </a:r>
           </a:p>
           <a:p>
             <a:pPr lvl="3"/>
             <a:r>
-              <a:rPr lang="zh-CN" altLang="en-US" smtClean="0"/>
+              <a:rPr lang="zh-CN" altLang="en-US"/>
               <a:t>第四级</a:t>
             </a:r>
           </a:p>
           <a:p>
             <a:pPr lvl="4"/>
             <a:r>
-              <a:rPr lang="zh-CN" altLang="en-US" smtClean="0"/>
+              <a:rPr lang="zh-CN" altLang="en-US"/>
               <a:t>第五级</a:t>
             </a:r>
-            <a:endParaRPr lang="zh-CN" altLang="en-US"/>
           </a:p>
         </p:txBody>
       </p:sp>
@@ -4055,7 +4075,7 @@
           <a:p>
             <a:fld id="{8D0B3DFF-72D8-4763-AFA8-AF2C668498FE}" type="datetimeFigureOut">
               <a:rPr lang="zh-CN" altLang="en-US" smtClean="0"/>
-              <a:t>2018/2/26</a:t>
+              <a:t>2020/6/4</a:t>
             </a:fld>
             <a:endParaRPr lang="zh-CN" altLang="en-US"/>
           </a:p>
@@ -4149,10 +4169,9 @@
           <a:lstStyle/>
           <a:p>
             <a:r>
-              <a:rPr lang="zh-CN" altLang="en-US" smtClean="0"/>
+              <a:rPr lang="zh-CN" altLang="en-US"/>
               <a:t>单击此处编辑母版标题样式</a:t>
             </a:r>
-            <a:endParaRPr lang="zh-CN" altLang="en-US"/>
           </a:p>
         </p:txBody>
       </p:sp>
@@ -4173,7 +4192,7 @@
           <a:p>
             <a:fld id="{8D0B3DFF-72D8-4763-AFA8-AF2C668498FE}" type="datetimeFigureOut">
               <a:rPr lang="zh-CN" altLang="en-US" smtClean="0"/>
-              <a:t>2018/2/26</a:t>
+              <a:t>2020/6/4</a:t>
             </a:fld>
             <a:endParaRPr lang="zh-CN" altLang="en-US"/>
           </a:p>
@@ -4268,7 +4287,7 @@
           <a:p>
             <a:fld id="{8D0B3DFF-72D8-4763-AFA8-AF2C668498FE}" type="datetimeFigureOut">
               <a:rPr lang="zh-CN" altLang="en-US" smtClean="0"/>
-              <a:t>2018/2/26</a:t>
+              <a:t>2020/6/4</a:t>
             </a:fld>
             <a:endParaRPr lang="zh-CN" altLang="en-US"/>
           </a:p>
@@ -4371,10 +4390,9 @@
           </a:lstStyle>
           <a:p>
             <a:r>
-              <a:rPr lang="zh-CN" altLang="en-US" smtClean="0"/>
+              <a:rPr lang="zh-CN" altLang="en-US"/>
               <a:t>单击此处编辑母版标题样式</a:t>
             </a:r>
-            <a:endParaRPr lang="zh-CN" altLang="en-US"/>
           </a:p>
         </p:txBody>
       </p:sp>
@@ -4428,38 +4446,37 @@
           <a:p>
             <a:pPr lvl="0"/>
             <a:r>
-              <a:rPr lang="zh-CN" altLang="en-US" smtClean="0"/>
+              <a:rPr lang="zh-CN" altLang="en-US"/>
               <a:t>单击此处编辑母版文本样式</a:t>
             </a:r>
           </a:p>
           <a:p>
             <a:pPr lvl="1"/>
             <a:r>
-              <a:rPr lang="zh-CN" altLang="en-US" smtClean="0"/>
+              <a:rPr lang="zh-CN" altLang="en-US"/>
               <a:t>第二级</a:t>
             </a:r>
           </a:p>
           <a:p>
             <a:pPr lvl="2"/>
             <a:r>
-              <a:rPr lang="zh-CN" altLang="en-US" smtClean="0"/>
+              <a:rPr lang="zh-CN" altLang="en-US"/>
               <a:t>第三级</a:t>
             </a:r>
           </a:p>
           <a:p>
             <a:pPr lvl="3"/>
             <a:r>
-              <a:rPr lang="zh-CN" altLang="en-US" smtClean="0"/>
+              <a:rPr lang="zh-CN" altLang="en-US"/>
               <a:t>第四级</a:t>
             </a:r>
           </a:p>
           <a:p>
             <a:pPr lvl="4"/>
             <a:r>
-              <a:rPr lang="zh-CN" altLang="en-US" smtClean="0"/>
+              <a:rPr lang="zh-CN" altLang="en-US"/>
               <a:t>第五级</a:t>
             </a:r>
-            <a:endParaRPr lang="zh-CN" altLang="en-US"/>
           </a:p>
         </p:txBody>
       </p:sp>
@@ -4522,7 +4539,7 @@
           <a:p>
             <a:pPr lvl="0"/>
             <a:r>
-              <a:rPr lang="zh-CN" altLang="en-US" smtClean="0"/>
+              <a:rPr lang="zh-CN" altLang="en-US"/>
               <a:t>单击此处编辑母版文本样式</a:t>
             </a:r>
           </a:p>
@@ -4545,7 +4562,7 @@
           <a:p>
             <a:fld id="{8D0B3DFF-72D8-4763-AFA8-AF2C668498FE}" type="datetimeFigureOut">
               <a:rPr lang="zh-CN" altLang="en-US" smtClean="0"/>
-              <a:t>2018/2/26</a:t>
+              <a:t>2020/6/4</a:t>
             </a:fld>
             <a:endParaRPr lang="zh-CN" altLang="en-US"/>
           </a:p>
@@ -4648,10 +4665,9 @@
           </a:lstStyle>
           <a:p>
             <a:r>
-              <a:rPr lang="zh-CN" altLang="en-US" smtClean="0"/>
+              <a:rPr lang="zh-CN" altLang="en-US"/>
               <a:t>单击此处编辑母版标题样式</a:t>
             </a:r>
-            <a:endParaRPr lang="zh-CN" altLang="en-US"/>
           </a:p>
         </p:txBody>
       </p:sp>
@@ -4713,10 +4729,9 @@
           </a:lstStyle>
           <a:p>
             <a:r>
-              <a:rPr lang="zh-CN" altLang="en-US" smtClean="0"/>
+              <a:rPr lang="zh-CN" altLang="en-US"/>
               <a:t>单击图标添加图片</a:t>
             </a:r>
-            <a:endParaRPr lang="zh-CN" altLang="en-US"/>
           </a:p>
         </p:txBody>
       </p:sp>
@@ -4779,7 +4794,7 @@
           <a:p>
             <a:pPr lvl="0"/>
             <a:r>
-              <a:rPr lang="zh-CN" altLang="en-US" smtClean="0"/>
+              <a:rPr lang="zh-CN" altLang="en-US"/>
               <a:t>单击此处编辑母版文本样式</a:t>
             </a:r>
           </a:p>
@@ -4802,7 +4817,7 @@
           <a:p>
             <a:fld id="{8D0B3DFF-72D8-4763-AFA8-AF2C668498FE}" type="datetimeFigureOut">
               <a:rPr lang="zh-CN" altLang="en-US" smtClean="0"/>
-              <a:t>2018/2/26</a:t>
+              <a:t>2020/6/4</a:t>
             </a:fld>
             <a:endParaRPr lang="zh-CN" altLang="en-US"/>
           </a:p>
@@ -4911,10 +4926,9 @@
           <a:lstStyle/>
           <a:p>
             <a:r>
-              <a:rPr lang="zh-CN" altLang="en-US" smtClean="0"/>
+              <a:rPr lang="zh-CN" altLang="en-US"/>
               <a:t>单击此处编辑母版标题样式</a:t>
             </a:r>
-            <a:endParaRPr lang="zh-CN" altLang="en-US"/>
           </a:p>
         </p:txBody>
       </p:sp>
@@ -4945,38 +4959,37 @@
           <a:p>
             <a:pPr lvl="0"/>
             <a:r>
-              <a:rPr lang="zh-CN" altLang="en-US" smtClean="0"/>
+              <a:rPr lang="zh-CN" altLang="en-US"/>
               <a:t>单击此处编辑母版文本样式</a:t>
             </a:r>
           </a:p>
           <a:p>
             <a:pPr lvl="1"/>
             <a:r>
-              <a:rPr lang="zh-CN" altLang="en-US" smtClean="0"/>
+              <a:rPr lang="zh-CN" altLang="en-US"/>
               <a:t>第二级</a:t>
             </a:r>
           </a:p>
           <a:p>
             <a:pPr lvl="2"/>
             <a:r>
-              <a:rPr lang="zh-CN" altLang="en-US" smtClean="0"/>
+              <a:rPr lang="zh-CN" altLang="en-US"/>
               <a:t>第三级</a:t>
             </a:r>
           </a:p>
           <a:p>
             <a:pPr lvl="3"/>
             <a:r>
-              <a:rPr lang="zh-CN" altLang="en-US" smtClean="0"/>
+              <a:rPr lang="zh-CN" altLang="en-US"/>
               <a:t>第四级</a:t>
             </a:r>
           </a:p>
           <a:p>
             <a:pPr lvl="4"/>
             <a:r>
-              <a:rPr lang="zh-CN" altLang="en-US" smtClean="0"/>
+              <a:rPr lang="zh-CN" altLang="en-US"/>
               <a:t>第五级</a:t>
             </a:r>
-            <a:endParaRPr lang="zh-CN" altLang="en-US"/>
           </a:p>
         </p:txBody>
       </p:sp>
@@ -5015,7 +5028,7 @@
           <a:p>
             <a:fld id="{8D0B3DFF-72D8-4763-AFA8-AF2C668498FE}" type="datetimeFigureOut">
               <a:rPr lang="zh-CN" altLang="en-US" smtClean="0"/>
-              <a:t>2018/2/26</a:t>
+              <a:t>2020/6/4</a:t>
             </a:fld>
             <a:endParaRPr lang="zh-CN" altLang="en-US"/>
           </a:p>
@@ -5500,6 +5513,63 @@
           </a:graphicData>
         </a:graphic>
       </p:graphicFrame>
+      <p:sp>
+        <p:nvSpPr>
+          <p:cNvPr id="3" name="矩形 2">
+            <a:extLst>
+              <a:ext uri="{FF2B5EF4-FFF2-40B4-BE49-F238E27FC236}">
+                <a16:creationId xmlns:a16="http://schemas.microsoft.com/office/drawing/2014/main" id="{3191F060-4EDF-204C-A0C5-A19CFDDCF444}"/>
+              </a:ext>
+            </a:extLst>
+          </p:cNvPr>
+          <p:cNvSpPr/>
+          <p:nvPr/>
+        </p:nvSpPr>
+        <p:spPr>
+          <a:xfrm>
+            <a:off x="838200" y="398463"/>
+            <a:ext cx="10708758" cy="5778500"/>
+          </a:xfrm>
+          <a:prstGeom prst="rect">
+            <a:avLst/>
+          </a:prstGeom>
+          <a:noFill/>
+          <a:ln w="12700">
+            <a:solidFill>
+              <a:schemeClr val="tx1"/>
+            </a:solidFill>
+            <a:prstDash val="dashDot"/>
+          </a:ln>
+        </p:spPr>
+        <p:style>
+          <a:lnRef idx="2">
+            <a:schemeClr val="accent1">
+              <a:shade val="50000"/>
+            </a:schemeClr>
+          </a:lnRef>
+          <a:fillRef idx="1">
+            <a:schemeClr val="accent1"/>
+          </a:fillRef>
+          <a:effectRef idx="0">
+            <a:schemeClr val="accent1"/>
+          </a:effectRef>
+          <a:fontRef idx="minor">
+            <a:schemeClr val="lt1"/>
+          </a:fontRef>
+        </p:style>
+        <p:txBody>
+          <a:bodyPr rtlCol="0" anchor="ctr"/>
+          <a:lstStyle/>
+          <a:p>
+            <a:pPr algn="ctr"/>
+            <a:endParaRPr lang="zh-CN" altLang="en-US" sz="900">
+              <a:solidFill>
+                <a:schemeClr val="tx1"/>
+              </a:solidFill>
+            </a:endParaRPr>
+          </a:p>
+        </p:txBody>
+      </p:sp>
     </p:spTree>
     <p:extLst>
       <p:ext uri="{BB962C8B-B14F-4D97-AF65-F5344CB8AC3E}">
